--- a/Day 9/Class - 9.pptx
+++ b/Day 9/Class - 9.pptx
@@ -239,7 +239,7 @@
           <a:p>
             <a:fld id="{8CCFA85B-F0D0-46B4-B4F4-F331F321C77C}" type="datetimeFigureOut">
               <a:rPr lang="en-IN" smtClean="0"/>
-              <a:t>18-04-2022</a:t>
+              <a:t>20-04-2022</a:t>
             </a:fld>
             <a:endParaRPr lang="en-IN"/>
           </a:p>
@@ -1896,32 +1896,32 @@
   <inkml:trace contextRef="#ctx0" brushRef="#br2" timeOffset="205902">23606 7963 125 0,'0'0'105'15,"0"0"39"-15,0 0 43 16,0 0-52-16,0 0 11 15,0 0-13-15,0 0-11 16,41-44-37-16,-32 39-60 16,-9 2 41-16,0 3-23 15,0 0-41-15,0 0 2 16,0 8-4-16,0 15 0 0,9 8 5 16,-9-5 6-16,9-2-11 15,0-6 0-15,0 1 3 16,5-5-5-16,5-2 2 15,-1-6 0-15,0-6-4 16,23 0 16-16,-9-3-11 16,14-26-1-16,5-6 5 15,-10-3-4-15,-5 1-1 16,-4 6 0-16,-13 8-4 16,-1 12 11-16,-18 8-7 15,0 3 0-15,14 0-15 0,-14 21 11 16,9 13 0-1,0 7 4-15,0-4-4 0,0-1 10 16,14-9-6-16,-14-10 0 16,1-8 0-16,-1-7-10 15,0-2 5-15,0 0 5 16,14-8 4-16,-5-24 5 16,10-6-9-16,4 0 0 15,9 3 8-15,-14 9-18 16,1 8 10-16,-14 10 0 15,4 8-6-15,9 0-2 16,-4 0 8-16,5 26 0 16,4 12 1-16,-5-4-8 0,5-1 7 15,5-7 0 1,-19-14-9-16,14-10-2 0,-13-2 11 16,-10 0 0-16,23-29 8 15,-14-12-4-15,5-8-4 16,4-7 0-16,1-11 6 15,4-5 5-15,-5-5-6 16,-4 1 2-16,-4 10 0 16,-19 19 17-16,0 15-17 15,0 20 3-15,0 12 11 16,0 0-21-16,0 44 0 16,0 20-6-16,0 15 14 15,0 0-13-15,0-1 5 16,18-11 0-16,23-4-13 0,0-12 4 15,-4-13-26-15,4-15-19 16,-13-11-51-16,4-12 12 16,-5 0-19-16,-4-7-13 15,-23-21 40-15,0-10-19 16,0 4 40-16,-41-2 23 16,-10 4 34-16,1 6 7 15,-9-1 8-15,13 11 25 16,5 0 51-16,-1 8-35 15,24 2 10-15,18 6-10 16,-9 0-28-16,9 0 2 16,0 0-20-16,50 12 24 15,10-1 14-15,18-8-11 16,-1-3 21-16,1 0-6 16,-9 0-11-16,-10-14 31 0,-8-4-36 15,-10-5-10-15,-4 0 22 16,-15 0-34-16,-12 2 17 15,-10 3-2-15,0 3-16 16,0 7 28-16,0 2-34 16,-19 6 1-16,-13 0-3 15,5 0 5-15,-5 18-3 16,4 16 0-16,19 7 5 16,-5 6-12-16,14-3 7 15,0 0 0-15,23-10-9 16,5-3 12-16,4-14-3 15,4-6 0-15,-4-8 5 0,5-3-2 16,13 0-3-16,-8-18 0 16,8-11 1-16,-13-2 7 15,4 1-8-15,-14 1 0 16,14 3 7-16,-13 8-12 16,-5 10 5-16,4 8 0 15,5 0-10-15,-4 0 5 16,-10 22 5-16,5 8 0 15,-5-1 5-15,1 1-9 16,-10-8 4-16,14-7 0 16,-23-5-7-16,9-5 11 15,-9-5-4-15,9 0 3 16,-9 0 5-16,9 0 0 0,0-21-8 16,14-5 0-1,-5 3-3-15,1 2 7 0,-10 3-4 16,14 10 0-16,-14 2 5 15,-9 6-13-15,9 0 8 16,0 0-4-16,14 3-6 16,-14 18 7-16,0 0 3 15,1 1 0-15,-1 1 7 16,0-2-11-16,5-7 4 16,-5-3 0-16,-9-7-8 15,9 0 0-15,-9-4 8 16,18 0-4-16,1 0 12 0,3-15-5 15,15-12-3-15,13 1 0 16,-8 0-7-16,-6 2 11 16,5 7-4-16,-13 2 0 15,-5 12 3-15,-5 3-13 16,-9 0 9-16,14 9-15 16,-14 17 13-16,10 1-21 15,-10 2 17-15,14-9-3 16,4-3-20-16,-9-7 27 15,14-8-1-15,-4-2 4 16,4 0-1-16,5-12 5 16,-5-14-4-16,-14 0 4 15,-9-6 6-15,0 3-1 0,-9-1-6 16,0 2-1-16,-18 1 16 16,-23 10-13-16,4 8-3 15,-4 9-2-15,13 0-3 16,-4 9-2-16,23 26 5 15,-9 2 0-15,18 1-13 16,0-2 13-16,0-7-1 16,0-9-1-16,27-6-12 15,-4-8 9-15,-4-6 5 16,8 0 0-16,5 0-8 16,-4-6 13-16,4-8-5 15,-14 0 0-15,0 5 8 16,-4-3-10-16,4 6 2 15,-9 3 0-15,1 3-11 0,-1 0 11 16,14 0 0-16,-14 0-4 16,9 12 5-16,-9 3-3 15,14-7 2-15,-5-5 0 16,10-3 0 0,4 0 5-16,5-14-5 0,-5-18 2 15,-5-6 9-15,-4-9-9 16,-5-4-2-16,1-3 3 15,-10-4 19-15,-9 2-18 16,0 1 11-16,0 3 14 16,0 10-24-16,-28 8 20 15,10 11-25-15,-5 11 7 16,14 8-8-16,9 4 1 0,-9 0-7 16,9 39 5-16,-9 16-4 15,9 12 6-15,0 0 0 16,0 4 0-16,0-8-6 15,0-10 6-15,0-9 0 16,27-12-3-16,-4-12 13 16,4-7-10-16,15-13 0 15,8 0 2-15,-4 0 4 16,22-28-5-16,-8-9-1 16,-1-1 4-16,-8-9 7 0,-10 3-8 15,-14-2-3 1,-8-1 2-16,-19 0 14 0,0 0-14 15,0 3 4-15,0 13 8 16,-9 7-3-16,-1 13-5 16,1 8-6-16,0 3-3 15,0 0-10-15,-14 35 1 16,-4 17 12-16,-15 18-7 16,15 6 17-16,-5-3-10 15,14 0 0-15,8-9 0 16,10-8-7-16,0-16 7 15,0-7 0-15,19-16-6 16,22-8 17-16,-4-9-11 16,4 0 0-16,0-3 7 15,18-24-7-15,-22 1 0 0,13-3 0 16,-18 6-2-16,-4-4 13 16,-1 4-11-16,-13 12 0 15,-5 2 5-15,0 9-18 16,1 0 13-16,-1 0-4 15,14 23-8-15,-14 0 16 16,18 1-4-16,-8-4 0 16,3-8-1-16,-3-9-7 15,-1-3 8-15,14 0 0 16,18-3 6-16,-4-23 2 16,14-7-8-16,-10 1 0 15,-9 4 7-15,-4 1-3 16,-14 4-1-16,-14 2-3 0,0 4 32 15,-9 5-29-15,0 9 29 16,0 3-21-16,0 0-4 16,0 15-14-16,-50 30 7 15,-1 24 0-15,-26 15 1 16,-1 14 9-16,0 17-10 16,-4 11 0-16,4 13 6 15,18 13-13-15,24 11 7 16,13-2 0-16,14-12-2 15,9-18 7-15,0-34-5 16,0-25 0-16,0-27 9 16,0-26-19-16,0-16 10 15,-28-3 0-15,-54-8 19 16,-24-30-10-16,-13-15-9 0,-9-11 0 16,28-6-9-16,13-11 4 15,18-10-48-15,28-5-45 16,13-3-20-16,28 5-97 15,0 7-105-15,0 8-279 16</inkml:trace>
   <inkml:trace contextRef="#ctx0" brushRef="#br2" timeOffset="206573">23606 7733 188 0,'0'0'174'0,"0"0"-34"15,0 0-1-15,0 0-2 16,0 0-37-16,0 0-3 16,-28-161-21-16,5 150-27 15,14 5 6-15,-9 6-44 0,-14 0 5 16,4 0-16-1,5 20 8-15,5 5-14 0,9-7 6 16,9 1 0-16,0-5-9 16,0-5 12-16,27-3-3 15,14-6 0-15,-8 0 8 16,-6 0 1-16,-9-15-9 16,5-10 0-16,-23-1 11 15,0-4-3-15,0 6-8 16,0 7 0-16,-32 11 5 15,14 6-17-15,-23 0 4 16,13 30-70-16,-13 10-101 16,14 4-138-16</inkml:trace>
   <inkml:trace contextRef="#ctx0" brushRef="#br2" timeOffset="207814">29162 7655 18 0,'0'0'117'0,"0"0"48"15,0 0-10-15,0 0-4 16,0 0-11-16,0 0-14 15,60-88-2-15,-60 67-32 16,0 7-10-16,0-1-9 16,0 10-31-16,0 1 6 15,0 4-28-15,0 0-17 16,-14 12-4-16,-4 23 2 16,9 10-1-16,9 6 0 15,0-1 6-15,0-1-8 0,0-7 2 16,0-11 0-1,27-13-8-15,5-12 16 0,10-6-8 16,-6 0 18-16,5-24-17 16,-13-7 37-16,4-11-9 15,-14 2-5-15,-9 5 13 16,-9 9-33-16,0 6 20 16,0 14 3-16,0 1-25 15,0 5 8-15,0 0-10 16,0 0-9-16,0 5 1 15,0 17 2-15,0 5 6 16,0 0-1-16,0 1 4 16,9-1-3-16,23-4 0 0,5-8-1 15,4-7-11 1,10-8 14-16,-15 0-2 0,15 0 3 16,-1-26 8-16,-9-9-8 15,-13 0-3-15,4-3 1 16,-23 1 1-16,-9 8 0 15,0 8-2-15,0 9 0 16,0 6 9-16,0 6-13 16,0 0 4-16,0 3-16 15,0 26 8-15,0 12 4 16,9 3 4-16,9 0-1 16,1 0 3-16,4-6-4 15,4-1 2-15,-18-5-6 16,14-9-7-16,-23-5 5 0,0-13-8 15,0 0 10-15,0-5-22 16,-23 0 25-16,-13 0-4 16,-15 0-22-16,10 0 22 15,23 0-18-15,18 0 16 16,0 0 7-16,0 0-29 16,18-5 9-16,32-6 17 15,19-9 5-15,23-9-3 16,-15-7 3-16,10-1 0 15,-18-1 5-15,-10 0 2 16,-26 0 8-16,-6 3 12 16,-18 3-1-16,-9 6 28 15,0 5-25-15,0 4-11 16,0 8 2-16,-27 4-10 16,8 5-6-16,-13 0-4 0,5 17-7 15,-14 29-6-15,13 13 13 16,14 2 0-16,14-3-5 15,33-11 11-15,44-15-6 16,24-15 0-16,-5-17-1 16,-4 0-3-16,-47-8-107 15,-45-39-249-15</inkml:trace>
-  <inkml:trace contextRef="#ctx0" brushRef="#br1" timeOffset="217303">9315 2028 130 0,'0'0'174'0,"0"0"-87"16,0 0 5-16,0 0 8 0,0 0-27 15,0 0 34-15,0 0-10 16,14-6 2-16,-5 6 1 16,-9 0-28-16,0-3 0 15,0 3-14-15,0 0-30 16,9 0 5-16,-9 0-18 16,0 0 4-16,0 0 15 15,0 0-22-15,-9 0 16 0,-32 0-5 16,-19 0-21-1,-18 0 15-15,-32 9-16 0,-9 4 1 16,-27-2 5-16,-24 0-1 16,6-6-6-16,3-1 1 15,56-4 8-15,37 0-6 16,45 0-3-16,23 0 0 16,0 0-1-16,0 0 1 15,0 0 0-15,9 0-1 16,23-9 0-16,-5-12-5 15,14 1 6-15,1 0 0 16,-6-1-1-16,-4 0 7 16,-4 3-6-16,4-7 0 0,-5 5 1 15,-8 2-7 1,13 4 6-16,-23 8 0 0,0 3-4 16,0 3 10-16,-9 0-6 15,0 0 0 1,0 0 5-16,0 0-15 0,0 0 10 15,0 0-5-15,-18 11 0 16,-23 19-3-16,-28 8 8 16,0 8 1-16,-9 1 6 15,-8 3-7-15,-15 2 0 16,0 1 0-16,5-1 2 16,27-8 2-16,19-6-4 15,32-6 0-15,18 0-6 16,9 3 0-16,69 0 2 0,41-6-11 15,27 1-8 1,5-12-69-16,-4-1-63 0,-51-3-127 16,-37-6-218-16</inkml:trace>
-  <inkml:trace contextRef="#ctx0" brushRef="#br1" timeOffset="218097">7186 2033 514 0,'0'0'246'0,"0"0"-99"0,0 0-3 16,0 0-20-16,0 0-22 16,0 0-47-16,0-54 5 15,0 54-31-15,-18 0-13 16,18 0-7-16,-23 23-2 15,5 21-7-15,-14 8 4 16,-5 6 2-16,-4 1 7 16,4 2-11-16,5-9-1 15,14-5 9-15,9-11-3 16,0-17-7-16,9-7 0 16,0-9 6-16,0-3 1 0,0 0-1 15,0 0 20-15,0-15 23 16,0-32-40-1,18-13 2-15,32-16-10 0,10-9 6 16,-5-3-5-16,-5 4-2 16,-9 11 0-16,-13 21-3 15,-5 19 5-15,-14 19-2 16,-9 11 0-16,9 3-16 16,0 3 14-16,0 41-13 15,-9 17 14-15,9 12-10 16,5 9 14-16,-5-10-3 0,0-1 0 15,10-16 2 1,13-8-9-16,-14-10-21 0,0-11-32 16,-8-8-6-16,-10-9-47 15,0-9-27-15,0 0-1 16,-19 0-78-16,-17 0-38 16,-15-15-135-16</inkml:trace>
-  <inkml:trace contextRef="#ctx0" brushRef="#br1" timeOffset="218282">6957 2282 356 0,'0'0'133'16,"0"0"15"-16,0 0-6 15,0 0-57-15,0 0-33 0,0 0-15 16,110-21 28 0,-32 7-28-16,23-6-22 0,27-13 1 15,0-1-16-15,-9-2-6 16,-32 2-96-16,-27 3-104 15,-28 3-85-15</inkml:trace>
-  <inkml:trace contextRef="#ctx0" brushRef="#br1" timeOffset="218727">7589 1517 374 0,'0'0'150'0,"0"0"16"0,0 0-29 0,0 0-18 15,-265-137-22-15,205 132-14 16,1 5-11-16,-10 0-35 16,-9 18-8-16,-13 28-4 15,-6 15-19-15,6 24 21 16,13 14-18-16,9 11-7 16,19 13 12-16,23 2-12 15,17 1-2-15,10 2 0 16,0-2 8-16,60-13-3 15,9-14-5-15,18-26 0 16,22-27 4-16,10-21 2 16,-13-23-6-16,22-2 13 15,-9-17-12-15,0-36 47 16,-9-11-4-16,-23-15-7 0,-5-4 20 16,-22-20-25-1,-24-11 17-15,-4-8-5 0,-32-9-30 16,0-4 17-16,-32 10-15 15,-36 17-13-15,-33 21 5 16,-13 25-8-16,-28 25-1 16,-5 16-1-16,1 21-17 15,8 0 1-15,10 23-64 16,9 38-49-16,9 24-18 16,10 16-117-16,22 11-212 15</inkml:trace>
-  <inkml:trace contextRef="#ctx0" brushRef="#br2" timeOffset="223174">5950 2310 488 0,'0'0'205'16,"0"0"-82"-16,0 0-1 15,0 0 2-15,0 0-20 16,0 0-36-16,14 0-3 15,-14 0-25-15,0 0-15 16,0 0 17-16,-23 0-27 16,-36 0 2-16,-1 0 1 15,-18 0-18-15,1 0 21 0,-24 0-21 16,5 0 0-16,-14 0 5 16,9 0 2-16,14 0-7 15,28 0 0-15,22 0 5 16,14 0-8-16,23 0 3 15,0 0 0-15,0 0 2 16,0 0 3-16,0 0-5 16,0-11 0-16,0-6 2 15,0-6-9-15,0-7 7 16,32-5-5-16,-23 1-3 16,10 1-4-16,-1 4 12 15,-4 11 0-15,-5 4 1 0,-9 7-4 16,0 5 3-1,0-1 0-15,0 3-8 0,0 0 9 16,0 0-1-16,0 0 0 16,0 0 2-16,0 0-6 15,0 0 4-15,0 0 0 16,0 0-6-16,0 0 5 16,0 0 1-16,0 0 0 15,0 9 0-15,-41 12-3 16,-10 8 3-16,-8 3 0 15,-10 3-1-15,-9 2 6 16,1 1-5-16,8 0 0 16,19-3 6-16,-1 1-8 15,24-4 2-15,4-6 0 16,14-6-4-16,0-2 5 0,9-1-1 16,0 7 0-16,32 2 5 15,27 3-6-15,28-2 1 16,23-2 0-16,9-4 2 15,18-4 4-15,-18-5-12 16,-4-3-49-16,-24-4-168 16,-40-5-277-16</inkml:trace>
-  <inkml:trace contextRef="#ctx0" brushRef="#br2" timeOffset="228366">229 2402 629 0,'0'0'172'0,"0"0"-43"0,0 0 22 15,0 0-72-15,0 0-13 16,0 0-37-16,0 0-25 15,0 0 1-15,77-71-1 16,-45 71-4-16,-4 0 0 16,-5 21 2-16,-14 8-7 15,0 12 5-15,-9 11 0 16,-9 9-7-16,-51 9 15 0,-8-3-8 16,-1-11 0-1,1-9 11-15,8-12-9 0,19-9-2 16,22-10 0-16,6-6-7 15,13-4 8-15,0-3-2 16,13-1 1-16,33-2 0 16,37 0 5-16,-6 0-5 15,10-2 0-15,-4-17-2 16,-14 6 10-16,-10-2-16 16,-22 4 2-16,4 2-92 0,-23 6-95 15,0 0-153 1</inkml:trace>
-  <inkml:trace contextRef="#ctx0" brushRef="#br2" timeOffset="230801">1048 2468 426 0,'0'0'248'0,"0"0"-129"16,0 0 51-16,0 0-46 15,0 0-31-15,0 0-19 16,-41-87-40-16,13 87 1 0,10 0-26 16,-14 0-7-1,-5 5-4-15,5 25 2 0,5 8 0 16,-5 14 0-16,23 7 3 16,-1-1-7-16,10 3 4 15,0-9 0-15,51-8-6 16,-5-14 6-16,13-16 0 15,-9-12-2-15,10-2 7 16,-10 0-2-16,1-25-1 16,-15-13 0-16,-4-11 18 15,-4-16-19-15,-19-7 23 16,0-4 8-16,-9 5-20 16,0 19 23-16,-9 17-24 15,-28 12-9-15,-4 13 7 16,-9 10-9-16,13 0 0 0,-13 13-1 15,9 21-4-15,13 11-2 16,5 1 7-16,23 7 0 16,0-7-10-16,41-5 11 15,28-12-1-15,9-12 0 16,4-13-4-16,14-4 0 16,-18-9 4-16,14-26 0 15,-33-6 11-15,-22-6-6 16,-5-3 2-16,-23-2 22 15,-9-6-23-15,0-1 29 16,0 10-15-16,-9 14-11 16,-9 12 18-16,-5 14-27 15,14 6 11-15,0 3-11 0,-1 0-12 16,1 38 10-16,-5 17-5 16,-4 15 7-16,18 7-5 15,0 1 8-15,0-3-3 16,0-4 0-16,0-7 6 15,0-14-9-15,18-16 3 16,-4-13 0-16,-14-12-9 16,0-6 6-16,9-3 3 15,1 0 4-15,-1 0 4 16,9-27 1-16,5-2-9 16,4-3 0-16,-4 5-6 0,-4 7 6 15,8 12-2 1,-18 5 1-16,23 3-23 0,-14 0 11 15,5 9-6-15,-4 13-1 16,-10 2 19-16,-9 0-26 16,0 2 14-16,0-3 1 15,-18 1-20-15,-33-7 13 16,19-2-15-16,-4-9-1 16,26-4 30-16,10-2-1 15,0 0 6-15,10 0 0 16,40-18 0-16,9-13-1 15,-4-7 1-15,5-3 0 16,-1 0 6-16,-8 3-4 16,-19 6 9-16,-14 3 15 0,-18 3-8 15,0 0 14 1,0 2-7-16,0 10-11 0,0 5 17 16,0 6-25-16,0 3 7 15,0 0-13-15,0 0-16 16,0 35 7-16,0 18 7 15,0 16 2-15,-9 10-2 16,0 6 2-16,-14 2 0 16,14 0 0-16,9-1 7 15,0-11-7-15,0-5 0 16,0-17 1-16,0-13-4 16,0-14 5-16,0-10-2 15,-19-11 0-15,-22-5 9 0,-18 0-1 16,-1-5-8-16,14-25 0 15,-4-5-8-15,18-3 6 16,14-5 0-16,18-2 0 16,0-4-27-16,9-7 18 15,41-8-5-15,19-5-3 16,0-5 13-16,8 11 0 16,-8 4 6-16,-10 15 0 15,-8 9 5-15,-10 6-5 16,9-3 0-16,-13 3 2 15,4 0 0-15,-13-3 2 16,4 5-1-16,-14-1 18 16,-9 4-16-16,-9 4 19 15,0-1-11-15,0 6-12 0,0 4 16 16,-9 2-17-16,0 7 0 16,0 2 0-16,0 0-10 15,-14 0 9-15,4 8-3 16,10 24 2-16,-14 6-7 15,14 6 9-15,9 2 0 16,0-5-2-16,0-5 5 16,0-14-5-16,23-4 2 15,5-9-4-15,22-7-4 16,-14-2 8-16,6 0 0 16,8-2 6-16,-9-19-1 0,-4-2 0 15,-5 0-5-15,-5 3 4 16,5-1-5-16,-13 7 1 15,-1 5 0-15,-9 3-1 16,0 3 1-16,5 3-4 16,-5 0 4-16,0 0-12 15,1 0 6-15,-1 5 0 16,-9 0 6-16,0-1-6 16,9 0 6-16,-9-4 0 15,0 0 0-15,0 0 3 16,0 0 9-16,0 0-9 15,0 0 2-15,0-4-5 16,-18-5 4-16,-1 4-5 16,10 5 1-16,-5 0-8 0,5 0 3 15,0 3-9-15,9 20 13 16,0 6-6-16,0 1 10 16,9-2-3-16,14-7 0 15,-5-4 1-15,1-8-5 16,4-9 4-16,4 0 0 15,5 0 15-15,-4-35-12 16,13-11 7-16,-5-15-6 16,6-4-1-16,-15-2 20 15,5-3-8-15,-32-3 0 16,0 3 10-16,0 9-21 16,0 11 18-16,0 21-14 15,-9 14-3-15,-5 13 4 0,14 2-9 16,0 0-11-16,0 20 8 15,0 36-20-15,0 16 23 16,0 10 0-16,0 0 4 16,14-4-6-16,4-5 2 15,1-5 0-15,13-13-4 16,-5-17 4-16,14-12-13 16,-4-14-34-16,13-12-27 15,1 0 16-15,-24-24-21 16,-4-11-7-16,-23-5 13 15,0-3-19-15,-41 4 19 16,-19-2 40-16,-8 9 10 16,8 6 19-16,1 5 1 0,22 9 3 15,14 4 14 1,14 5 10-16,9 3 22 0,0-3-14 16,0 3-9-16,0 0 11 15,9-5-25-15,23 1 1 16,5-4 26-16,31-8-16 15,-8-2 18-15,-1-7-10 16,1-1-14-16,-1 0 25 16,-17 0-15-16,-15 8 6 15,-18 0 12-15,-9 7-24 16,0 1 20-16,0 2-6 16,0 6-31-16,0-2 2 0,-9 2-3 15,0 2-2-15,0 0-4 16,0 0-9-16,-1 0 15 15,1 23 0-15,-4 9-2 16,13 6-7-16,0 6 9 16,32-4 0-16,27 1-3 15,-9-3 10-15,5-6-7 16,-4-2 0-16,-19-4 2 16,-14-2-7-16,-9-2 5 15,-9-1 0-15,0-7-10 16,-59 1-5-16,-19-4-8 15,-9-5-36-15,-23-2-54 16,0-2-10-16,0-2-59 0,5 0-97 16,-23 0-320-1</inkml:trace>
-  <inkml:trace contextRef="#ctx0" brushRef="#br2" timeOffset="231244">1877 2037 346 0,'0'0'408'0,"0"0"-256"16,0 0-11-16,0 0-19 15,0 0-24-15,0 0-60 0,-10-85-3 16,10 85-23-16,0 0-9 15,-9 0-6-15,0 21-15 16,-14 14 18-16,14 5-6 16,0-4 10-16,9-7-4 15,0-10 0-15,0-1 6 16,18-12-2-16,23-2 9 16,1-4 15-16,-6 0 33 15,5-12-30-15,-4-14 9 16,-14-1-2-16,-14-2-20 15,0-6 15-15,-9 3-21 16,0 1-11-16,-41 5-2 16,4 4 0-16,-13 11-4 0,0 11-9 15,13 0-64-15,-4 5-17 16,13 36-81-16,-4 6-67 16,23-1-147-16</inkml:trace>
-  <inkml:trace contextRef="#ctx0" brushRef="#br1" timeOffset="243381">7076 4306 512 0,'0'0'233'0,"0"0"-62"16,0 0 24-16,0 0-61 16,0 0-28-16,0 0-41 15,0 0-28-15,0-112 13 16,0 112-41-16,0 0-7 15,0 0-2-15,0 8-15 16,0 20 14-16,0 9-1 16,0 2 4-16,0-7-4 15,0-9 2-15,0-8 0 16,0-9-1-16,0-3 15 16,0-3-13-16,0 0 5 0,0 0-3 15,0 0 23-15,0-21-26 16,0-8 0-16,0-13-1 15,0-1 11-15,19-5-11 16,4-9 1-16,4 5-9 16,5-1 1-16,-4 15-8 15,-10 16 1-15,5 6 12 16,4 16-29-16,-4 0 21 16,5 0-10-16,-10 16-14 15,5 10 25-15,-14 3-22 16,-9 0 3-16,0-3 20 15,0-3-21-15,0-3 23 16,-9-5-11-16,0-2-14 16,9-11 31-16,0 1-9 0,0-3 10 15,0 0 1-15,0 0 8 16,0 0-12-16,0 0 3 16,27 6-5-16,14 5-7 15,-4 10 12-15,4 5 0 16,-13-2-4-16,4 2 4 15,-5-3-1-15,-18-2 1 16,-9-1-13-16,0-3 7 16,0-2-1-16,-45-9 0 15,-15-6 5-15,0 0 2 16,-17 0-3-16,17-16-19 16,1-12-39-16,17-12 19 0,33-13-43 15,9-9-43-15,19-18-165 16</inkml:trace>
-  <inkml:trace contextRef="#ctx0" brushRef="#br1" timeOffset="243750">7580 3422 283 0,'0'0'186'0,"0"0"-40"16,0 0-9-16,0 0-45 15,-224-70-16-15,141 73-14 16,-4 41-40-16,-4 14-2 15,13 18-10-15,9 18-3 16,10 16-1-16,31 18-6 16,5 9 0-16,23-2 5 15,0-16 3-15,32-22-8 0,37-21 0 16,32-24 6-16,4-17-6 16,23-23 0-16,0-12 5 15,1-21 37-15,-10-25 33 16,-19-13 38-16,-22-3-34 15,-18-7-46-15,-33-13 16 16,-27-17-34-16,0-11-5 16,-18-5 1-16,-51 13-2 15,-9 15-9-15,-13 26 0 16,13 17-8-16,-9 24-2 16,5 20-3-16,27 0-76 15,13 32-27-15,33 31-107 0,9 16-104 16</inkml:trace>
-  <inkml:trace contextRef="#ctx0" brushRef="#br1" timeOffset="244383">9553 3947 447 0,'0'0'157'16,"0"0"-61"-16,0 0 37 0,0 0-25 16,0 0-18-16,0 0-75 15,-87-4 45-15,-5 8 6 16,-22 8-45-16,-5-2 17 15,0 1-33-15,0-3-2 16,9 1 11-16,14-6-7 16,4-3-7-16,14 0 0 15,19 0 9-15,32 0-9 16,4 0 0-16,23 0 0 16,0-3 15-16,0-12-13 0,0-3-2 15,23-4 0-15,-5 1 9 16,9-3-11-16,5 7 2 15,-23 0 0-15,1 6 4 16,-10 2 4-16,0 3-8 16,0 2 4-16,0 4 3 15,0 0 0-15,0 0-7 16,0 0 0-16,0 0-8 16,0 0 2-16,0 0 4 15,-10 6-1-15,-17 9 6 16,-5 1-7-16,5 3 4 15,-15 7 0-15,1-3-2 16,5 8 6-16,-6 6-4 0,15-3 0 16,-14 5 8-1,22-11-14-15,10 4 6 0,9-2 0 16,28-1-4-16,40-3 12 16,33-2-14-16,4-1 6 15,5-2-134-15,-9-7-127 16,-23-8-468-16</inkml:trace>
-  <inkml:trace contextRef="#ctx0" brushRef="#br2" timeOffset="261728">17202 8909 585 0,'0'0'157'0,"0"0"-39"16,0 0 16-16,0 0-37 15,0 0-12-15,0 0-10 16,0 0-48-16,0-53 15 0,0 53-27 16,0 0-10-1,0 0 12-15,0 9-14 0,0 23-3 16,0 18 12-16,0 13-8 16,0 7 14-16,0 13-10 15,-19 4-8 1,-3 9 17-16,3 12-11 0,1 6-6 15,-5 6 0-15,14-4 14 16,0 1-15-16,-10 1 1 16,10-6 0-16,-5-4-1 15,5-3 3-15,0-6-2 16,0-8 0-16,9-3 11 16,0-13-16-16,0-8 5 15,0-12 0-15,0-11-4 16,0-15 5-16,0-9-1 0,0-8 0 15,0-8 8-15,0-4-8 16,0 0 2-16,0 0-2 16,0 0 24-16,0 0-22 15,0-16 23-15,0 0-20 16,-9-3 4-16,0 11-3 16,-5-1-6-16,-4 3 1 15,-1 4-10-15,10-1 9 16,0 0 0-16,9 3 0 15,0 0 1-15,0 0-7 16,0 0 6-16,0 0 0 16,0 0-13-16,0 0 16 0,0 0-3 15,0 0 2 1,0 0 8-16,0-3-5 0,-14-3-5 16,5-3 2-16,0-2-3 15,-9-4 4-15,9 4-3 16,-5-1 0-16,5 3 9 15,9 6-11-15,-9 3 2 16,9 0 0-16,0 0-8 16,0 0 8-16,0 0-2 15,0 0 0-15,0 0-10 16,0 19 10-16,0 3 2 16,0 0-1-16,9 0-11 15,32-2 12-15,-14-2 0 16,15-5 0-16,-15 0 1 15,14-5-3-15,0-4 2 0,-4-4 0 16,13 0-8 0,1-10 12-16,8-10-4 0,-8-6 0 15,-6-3-5-15,6-6-2 16,-10-6-95-16,-14-3-74 16,-17-3-67-16,-10-5-157 15</inkml:trace>
-  <inkml:trace contextRef="#ctx0" brushRef="#br2" timeOffset="262515">15032 11817 489 0,'0'0'169'16,"0"0"-29"-16,0 0-25 15,0 0-26-15,0 0-38 0,0 0-28 16,0-36-19-16,0 40-8 16,0 28 4-16,0 9 0 15,0 5 14-15,0 1-14 16,0 2 0-16,0-2 1 16,0-3 5-16,0-3-12 15,-23-6 3-15,14-6-126 16,0-11-66-16,9-10-150 15</inkml:trace>
-  <inkml:trace contextRef="#ctx0" brushRef="#br2" timeOffset="262740">15101 11989 323 0,'0'0'152'0,"0"0"2"0,0 0-37 15,0 0-19-15,0 0-21 16,0 0-8-16,0-53-44 16,0 53-25-16,0 9-9 15,0 26-6-15,0 8 15 16,9 7 4-16,0-3-4 16,-9 3-4-16,9-4-60 15,0-8-139-15,-9-3-62 16</inkml:trace>
-  <inkml:trace contextRef="#ctx0" brushRef="#br2" timeOffset="263656">15622 12222 239 0,'0'0'402'0,"0"0"-239"16,0 0-21-16,0 0-31 0,0 0-34 15,0 0-11-15,-155-102-55 16,132 102-2-16,5 12-9 16,-14 23 0-16,-5 14-5 15,5 9 5-15,4 6 0 16,10 4-3-16,-5 2 7 15,23 0-4-15,0-6 0 16,23-9-6-16,23-11 0 16,23-19 6-16,4-9-1 15,-4-16-7-15,-1 0 5 16,-8-3 3-16,-1-26 2 16,-13-6 4-16,-14-5 4 15,-5-11-6-15,-4-1 6 16,-13-6 35-16,-10-1-17 15,0-5 6-15,0 12-3 0,-23 8-25 16,13 21 22-16,-8 13-17 16,9 10-5-16,9 0-6 15,0 6-4-15,-9 38 1 16,-14 11-4-16,14 16 14 16,9-1-11-16,0 0 4 15,0-6 0-15,0-9-7 16,32-8 10-16,-14-12-3 15,0-12 0-15,5-8-12 16,-4-11 7-16,-19-4-2 16,18 0 7-16,5-4-8 15,4-28 13-15,15-9-5 16,3-2 0-16,-22 7 7 0,-4 16-5 16,-10 11-2-16,-9 9 0 15,0 0-7-15,9 0-4 16,0 0 3-16,14 21 8 15,4 5-2-15,-4 0-3 16,-4-6 5-16,-1 1-7 16,5-5 1-16,-14-3-17 15,9-7 23-15,0-3-2 16,-8-3 0-16,22 0 2 16,-5-12 0-16,5-16 0 15,5-8 4-15,-5-1 3 16,-5 1-7-16,-4 4 0 0,-23 9 9 15,0 8 3-15,0 10-8 16,0 5-3-16,0 0 1 16,0 0-2-16,0 2-11 15,0 30 6-15,0 0 5 16,9 3-3-16,10-6 3 16,-1-6-8-16,5 1 7 15,-5-15-52-15,0-4-23 16,15-5-17-16,8 0-57 15,-14-2-3-15,14-28-99 16,-13-8-189-16</inkml:trace>
-  <inkml:trace contextRef="#ctx0" brushRef="#br2" timeOffset="263957">16483 12330 282 0,'0'0'137'0,"0"0"-42"15,0 0-7-15,0 0-45 16,0 0 2-16,0 0-43 16,-128 29 5-16,128-15-7 15,18-4 4-15,33-8 12 16,8-2 9-16,-4 0 6 16,-5-6 21-16,-8-9-18 15,-24-4 7-15,-18-2 15 16,0 4-31-16,0-4-1 0,-51 8-24 15,-8 9-13-15,13 4 8 16,-13 0-10-16,18 0-48 16,31 14-45-16,10 12-61 15,0 3-109-15</inkml:trace>
-  <inkml:trace contextRef="#ctx0" brushRef="#br2" timeOffset="265936">16982 12167 287 0,'0'0'402'15,"0"0"-230"-15,0 0-47 0,-69-158-21 16,60 144 0-16,9 10-53 16,0 4-18-16,0 4-33 15,0 45-18-15,0 15 14 16,0 24 4-16,0-1 0 15,0-3-3-15,0-1 6 16,0-11-3-16,0-7 0 16,0-13-3-16,0-11 2 15,0-18-96-15,0-8-42 16,0-12-7-16,0-3 21 16,0 0 66-16,-9-24-32 15,-9-8 75-15,-23-8 13 16,13 2 3-16,-4 3 0 0,14 5 13 15,-1 10 2-15,6 9 22 16,13 3-7-16,0 7-9 16,0 1 4-16,0 0-25 15,0 0 0-15,32 0 1 16,27 0 2-16,1 0 8 16,8 0 2-16,1 0-6 15,9 0 25-15,0-21-3 16,-19-3 6-16,-18-2 28 15,-13-2-11-15,-14-8 23 16,-14-4-18-16,0-4-14 16,0 3 22-16,-23-5-23 0,-5 11-32 15,-4 7 24-15,14 14-29 16,9 9 24-16,0 5-23 16,9 0-2-16,0 17-8 15,0 36-15-15,-10 13 19 16,-3 11 1-16,4-1 1 15,9-4-2-15,0-7 0 16,0-16 6-16,0-8-7 16,0-15 1-16,0-9 0 15,0-11-8-15,0-6 1 16,0 0 7-16,0 0 2 16,0 0 7-16,9-23-8 15,14-15-1-15,4-2 0 0,5 2-6 16,-4 9 6-1,4 8 0-15,-14 12 0 0,0 9-20 16,-9 0 6-16,23 0-18 16,-13 21 14-16,13 5 15 15,-14 0-36-15,-9 6 5 16,0-6 19-16,-9-3-16 16,10-2 30-16,-10-6-4 15,13-7 5-15,-13-8-4 16,9 0 11-16,1 0-6 15,-1 0 18-15,9-2-17 16,14-22 20-16,-4-8-21 16,13 0 1-16,0-3 7 15,-4-3-3-15,13 0-6 0,-9 6 0 16,-13 9 7-16,4 9-12 16,-14 8 5-16,0 6-6 15,1 0 3-15,3 6-13 16,-3 14 16-16,-1 6-2 15,-18-3 2-15,14 1-4 16,-5-13 4-16,0-5 0 16,-9 3-4-16,0-9 10 15,0 0-6-15,0 0 17 16,0 0-15-16,0-25 8 16,0 7-10-16,-18-6 0 15,-5 6-2-15,-5-8 4 16,6 8-2-16,12 6 0 0,-8 9 4 15,9 3-12-15,9 0 3 16,-9 0-21-16,0 19 18 16,-5 16 8-16,5 2 4 15,0-1-4-15,9-7 6 16,0-9-9-16,0-8 3 16,9-4 0-16,14-8 3 15,-5 0 2-15,-9 0-3 16,9 0 7-16,5-12-3 15,-4-8 1-15,-10 0-7 16,9 0 1-16,-18 2 8 16,0 9-4-16,0 6-4 0,0 3 1 15,0 0-2-15,0 0-1 16,0 24-23-16,0 8 24 16,0 6 0-16,0-6 3 15,23-6-3-15,-5-6 0 16,1-7 8-16,-10-5-8 15,14-8 0-15,-14 0 0 16,18 0 20-16,5-15-19 16,5-14 14-16,4-9 14 15,0 1-24-15,-4-7 15 16,4 6-20-16,0-1 3 16,-22 13 0-16,8 12-2 15,-13 7-1-15,4 7 0 0,0 0-21 16,14 15 20-1,-4 21-5-15,-10-1 3 0,5 3-6 16,-23-4 9-16,18-8 0 16,-8-2 0-16,-10-9 5 15,22-10-9-15,-12-2 4 16,-1-3 0-16,0 0 4 16,18 0 0-16,5-23-4 15,10-6 0-15,3-4 8 16,-3-4-6-16,-15 1-2 15,14 2 0-15,-13 2-3 16,-5 12 6-16,-5 10-3 0,-9 7 0 16,0 3-11-1,14 0 9-15,-14 21-11 0,-9 5 9 16,9-2-1-16,-9-7 3 16,0-6 2-16,10 2-1 15,-10-13 3-15,0 0-2 16,0 0 0-16,0 0 0 15,0 0 15-15,0 0-15 16,-28-13 0-16,-4 2 0 16,5 0 8-16,-15 2-11 15,15 3 3-15,4 6-11 16,5 0 9-16,-10 9-11 16,15 23 13-16,-6 10-4 0,10 7 6 15,-9-6-9 1,18-5 0-16,0-12-18 0,0-12 14 15,0-8-20-15,9-6 29 16,18 0-6-16,-4 0 16 16,-4-8-5-16,8-18-3 15,-4-7 0-15,4-1 14 16,-8-2-5-16,4 7 3 16,-14 12 12-16,0 8-19 15,-9 9 7-15,9 0-12 16,0 0-18-16,5 6 11 15,4 17 4-15,1 1 3 16,-10-4 0-16,14-6-42 16,-5 1-52-16,0-12-126 0,-9-3-89 15</inkml:trace>
-  <inkml:trace contextRef="#ctx0" brushRef="#br2" timeOffset="266198">19225 11907 403 0,'0'0'173'0,"0"0"-53"16,0 0-19-16,0 0 7 16,0 0-87-16,0 0-16 15,0 23-9-15,0 36 8 0,0 2 2 16,0-6-4-16,0-5-2 15,0-15 0-15,9-9-34 16,0-12-94-16,23-10-79 16,-23-4-115-16</inkml:trace>
-  <inkml:trace contextRef="#ctx0" brushRef="#br2" timeOffset="266325">19403 12044 63 0,'0'0'137'0,"0"0"33"15,46-181-27-15,-32 140-21 16,-5 15-32-16,-9 11-18 15,0 13 12-15,0 2-54 16,9 14-30-16,-9 27-9 16,9 20 9-16,1 9 4 15,-1 12-4-15,-9 0-95 0,0 11-321 16</inkml:trace>
-  <inkml:trace contextRef="#ctx0" brushRef="#br2" timeOffset="267158">18534 12975 559 0,'0'0'168'16,"0"0"-52"-16,0 0 8 16,0 0-26-16,0 0-18 0,0 0-21 15,-128-123-37-15,128 123-16 16,0 26-6-16,0 15 0 16,0 15-3-16,0 2 3 15,27 15 0-15,42 3-2 16,31 11 11-16,29 9-9 15,40 3 0-15,-4-9 2 16,32-5 1-16,22-14-3 16,6-19 0-16,35-11 3 15,-3-9 4-15,-1-8-7 16,-9-16 0-16,-32-2 4 16,-36-6-6-16,-51 0 6 15,-50-6-4-15,-9-9 10 0,-19-11 0 16,-23 3 44-1,5-4-7-15,-13-1-26 0,-1-2 14 16,-18 4-27-16,0 0 1 16,0-1 5-16,-9 7-8 15,-37-6-6-15,-13 0 0 16,-15 2-1-16,6 7-4 16,8 11 5-16,33 0 0 15,18 1-5-15,9 5 2 16,0 0 0-16,0 0-1 15,18 19-4-15,32 14-1 16,10-1 9-16,8 0 0 16,1-6 1-16,0 6 7 15,-10-5-8-15,1 5 0 0,-1-4 2 16,-17 7-9-16,-6-2 7 16,-27-4 0-16,-9 0-5 15,0-6 7-15,-9 3-7 16,-41 4 2-16,-28-4-94 15,0 3-35-15,0 3-123 16,10-2-239-16</inkml:trace>
-  <inkml:trace contextRef="#ctx0" brushRef="#br2" timeOffset="268707">23299 13666 345 0,'0'0'479'0,"0"0"-362"15,0 0 7-15,0 0-6 16,0 0-53-16,0 0-28 15,-60-82-37-15,60 91-3 16,0 23 3-16,0 9 0 16,0 5 12-16,-9-2-12 0,0 0 8 15,0-6-5-15,0-9-3 16,9-6 0-16,0-14-2 16,0-2 6-16,0-7-4 15,0 0 0-15,27 0 6 16,24-28 10-16,-1-3-16 15,9-8 0-15,-4 5 4 16,-14 2 1-16,-8 8-5 16,-15 16 0-16,-9 2 1 15,0 6-10-15,14 0 1 16,-5 26 7-16,19 12-10 16,4-1 17-16,-9-4-6 15,-4-4 0-15,13-6 2 0,-5-2-7 16,15-15 5-16,-10-4 0 15,-4-2-2-15,-5 0 10 16,4-6-8-16,-13-20 6 16,5-9-2-16,-19-5 9 15,-9-10-13-15,0 0 14 16,0 1 7-16,-28 11-20 16,-13 0 23-16,5 18-10 15,-6 5-7-15,24 15-11 16,-14 0 4-16,5 9-2 15,4 29-7-15,4 8 7 16,19 7 2-16,0 2 0 16,0-3-3-16,0-5-3 15,32-12 0-15,5-11-9 0,4-12 15 16,-4-6-20-16,4-6 20 16,0 0 0-16,-13-16 3 15,4-12 4-15,-5-13-7 16,-9-3 0-16,-4-3 9 15,-14 4-4-15,0-1-1 16,0 15 2-16,0 11-1 16,0 10 6-16,0 8-11 15,0 0-15-15,0 28 13 16,0 16-10-16,0 9 12 16,9-7 0-16,1-2 4 15,-1-9-10-15,18-9 6 16,5-7 0-16,-4-14-3 0,22-5 9 15,0 0-6 1,-8 0 1-16,3-5 9 0,-3-23-7 16,-1-6-3-16,-14-2 0 15,5-2 7-15,-13 4 3 16,-1 8-8-16,-18 5 3 16,0 15 3-16,0 6-13 15,9 0 5-15,0 0-14 16,5 9 12-16,4 20-5 15,1 3 7-15,-10 1 0 16,14 1 4-16,-5-2-9 16,14-6 5-16,5-5 0 0,13-9-5 15,0-10 15-15,10-2-10 16,-14 0 0-16,4-7 8 16,-9-21-2-16,-13-9-5 15,-6-1-1-15,-3 3 25 16,-10-6-23-16,0 15 14 15,-9 8-2-15,0 12-12 16,0 6-2-16,9 0 0 16,5 12-14-16,13 17 5 15,1 9 11-15,-5 0-2 16,4-6 0-16,-4-6 5 16,5-11-9-16,-10-4 4 15,14-11 0-15,-5 0 2 0,5 0 6 16,-13 0-8-1,13-17 3-15,-5-6 5 0,1-1-6 16,-5-2-2-16,4 6 0 16,5 8-7-16,-14 4 8 15,10 8-1-15,4 0 0 16,9 0-7-16,-4 14 0 16,13 0 2-16,-9 4 0 15,19-4-1-15,-14-2-3 16,4-6 9-16,0-6 0 15,1 0 1-15,-15-12-2 16,-4-16 1-16,-4-14 0 0,-5-10 5 16,-14-3 4-1,-9-4-9-15,0 4 15 0,0 8-13 16,-23 15 19-16,-14 12-21 16,5 20 2-16,5 0-7 15,-5 17-3-15,4 32 8 16,19 10 0-16,9 0 1 15,0-1-5-15,0-9 4 16,46-2-1-16,36-9-8 16,14-12-29-16,14-5-26 15,28-9-62-15,-10-10-122 16,9-2-88-16</inkml:trace>
-  <inkml:trace contextRef="#ctx0" brushRef="#br2" timeOffset="272981">27267 13307 498 0,'0'0'175'16,"0"0"-35"-16,0 0 3 15,0 0-35-15,0 0-4 0,0 0-14 16,69-122-43-16,-60 115 7 16,-9 2-27-16,0 5-9 15,0 0 4-15,0 0-22 16,0 0 0-16,0 12-3 16,0 28-4-16,0 19 7 15,0 8 0-15,-9 6 0 16,-9-7-1-16,-14-2 1 15,4-10 0-15,5-11-2 16,14-11 6-16,9-14-10 16,0-4 2-16,0-5-16 15,0-9 15-15,0 0-1 16,19 0 6-16,31 0 3 16,9 0 4-16,1-9-2 0,-10 4-5 15,-13-1 0-15,-5 3-7 16,-5 0 8-16,-4-3-1 15,-4 3 0-15,13-3 10 16,-5-8-11-16,14-4 1 16,-13 0 0-16,4-2 4 15,-23 0 2-15,9 0-6 16,-18 1 17-16,0 5-16 16,0 9 28-16,0-4-15 15,0 6-11-15,0 3 27 16,0 0-29-16,0 0 1 15,-18 0-2-15,-23 29 6 16,0 12-9-16,4-1 3 0,19 10 0 16,-24 9-5-16,24-7 5 15,-5 1 0-15,5-4 0 16,9-2-52-16,0-3-57 16,9-4-112-16,0 1-217 15</inkml:trace>
-  <inkml:trace contextRef="#ctx0" brushRef="#br2" timeOffset="277425">5914 4137 608 0,'0'0'178'15,"0"0"-95"-15,0 0 14 16,0 0-13-16,0 0-2 0,0 0-32 15,9 0-10-15,-18 0 12 16,-42 0-37 0,-36 2-6-16,-13 4 0 0,-28 0-1 15,-19 0 3-15,-4 0-11 16,5-3 4-16,-1 3-2 16,28-2-2-16,28-4 0 15,45 0 0-15,32 0 9 16,14 0-12-16,0 0 3 15,0 0-28-15,23-4 20 16,14-13-2-16,13-5 10 16,-9 0-1-16,-4-5 10 15,4 4-8-15,0-6-1 0,-13-1 2 16,4 2-2 0,-14 5 0-16,0-1 0 0,-9 9 0 15,5 6 9-15,-5 9-9 16,-9-2 0-16,0 2 2 15,0 0-14-15,0 0 11 16,0 0-11-16,0 11 6 16,-41 15-3-16,-9 5 9 15,-19 14 0-15,-9-1 0 16,0 1-2-16,-13 3 2 16,22-5 0-16,19-1-1 15,13-7 5-15,28-6-4 16,9-5 0-16,0-1-9 15,9 0 8-15,60 1-32 0,9 5-35 16,22 5-48 0,-13 14-105-16,-27 4-227 0</inkml:trace>
-  <inkml:trace contextRef="#ctx0" brushRef="#br2" timeOffset="278270">247 3870 667 0,'0'0'160'15,"0"0"-5"-15,0 0-30 16,0 0-21-16,0 0-6 15,0 0-54-15,0 0-1 0,-105-83-13 16,96 83-23-16,-14 34-2 16,13 31-5-16,-8 17 0 15,-5 11 1-15,23 3 7 16,-9-3-8-16,9 1 0 16,0-3 8-16,0 0-24 15,0-7-16-15,0-6-77 16,0-8-63-16,0-17-167 15,9-14-331-15</inkml:trace>
-  <inkml:trace contextRef="#ctx0" brushRef="#br2" timeOffset="280546">563 4574 208 0,'0'0'364'0,"0"0"-221"15,0 0-10-15,0 0-40 16,0 0 11-16,0 0-46 16,-9-119-24-16,9 119-13 15,-10 0-21-15,1 0-10 16,0 23 6-16,0 15 4 16,-14 3 1-16,23 2-1 15,0 2-14-15,0-11 11 16,0-2-39-16,32-14 20 0,-4-11 17 15,4-7 2-15,-5 0 3 16,5-1 0-16,-14-29 0 16,-8-4 11-16,-10-7-7 15,0 0 8-15,0-4 21 16,0 2-18-16,-10 5 23 16,-8 6-25-16,-23 6-6 15,14 15 3-15,-15 8-10 16,-8 3 0-16,13 3-1 15,-4 23 2-15,9 9-7 16,23 5 6-16,9-2 0 16,0 3-7-16,32-5 2 15,18-10 5-15,5-9-1 0,19-11-4 16,3-6 3 0,1 0 2-16,9-29 0 0,-14-10 2 15,-4-8 7-15,-23 3-9 16,-14-13 13-16,-14-1-4 15,-9-3 40-15,-9-4-6 16,0 0-16-16,0 16 16 16,-9 11-33-16,0 15 20 15,-9 14-5-15,9 9-23 16,9 0-4-16,-14 36 0 16,5 36 0-16,-1 27-12 15,10 10 21-15,0 0-7 16,0-9 0-16,10-10 7 15,22-11-10-15,-5-14 3 0,-9-24 0 16,5-15-11-16,-14-12 13 16,1-11-2-16,-10-3 14 15,9 0-12-15,14-32 18 16,-14-12-20-16,18 1 1 16,-8-7-5-16,4 4 7 15,-5 5-3-15,-9 9 0 16,0 14 8-16,-9 12-15 15,23 6 7-15,-5 0-19 16,14 15 7-16,5 17-15 16,-5 9 6-16,-14-3 3 15,-9-3-25-15,-9 0 26 0,0-6-16 16,-9-3-7-16,-41-3 35 16,-10-7-21-16,10-6 19 15,14-6 4-15,3-4 6 16,24 0 2-16,9 0-5 15,0-12 4-15,0 0 0 16,0 1-1-16,0-4-3 16,32 5 0-16,5-3 5 15,-5-2-8-15,18 0 3 16,5-5 0-16,5-6 1 16,-1 0 6-16,1-4 0 15,-10 1 22-15,-18 3-10 16,-13 6 30-16,-1 2-11 0,-18 5-16 15,0 3 19-15,0 4-34 16,0 6 11-16,0 0-18 16,0 0-3-16,0 16 0 15,0 27-16-15,-9 24 19 16,0 15-5-16,-10 7 5 16,-4 8 0-16,5 2 0 15,9 0 11-15,0-6-14 16,-5-11 3-16,14-9 0 15,0-13-5-15,-9-18 7 16,9-19-2-16,-9-11 0 16,-10-12-1-16,-13 0 1 15,-4 0 0-15,-24-20 4 0,1-15-10 16,8-3 6 0,33-6 0-16,9-8-2 0,9-8 0 15,36-3-2-15,42-13-2 16,23-3-11-16,9-8 13 15,-5-4-9-15,5 10 13 16,-18 14 0-16,-38 14 6 16,-12 21-7-16,-33 14 1 15,0 7 0-15,-9 6 6 16,0-1-3-16,0 2 4 16,0 4 4-16,0 0-4 15,0 0 4-15,0-2-11 0,0 2 1 16,-9-4-10-1,-9 4 6-15,-1 0-4 0,-4 16 7 16,5 18-5-16,0 7 3 16,18 3 2-16,0-4 0 15,0-5-10-15,27-5 10 16,14-13 0-16,-4-8 0 16,4-9 11-16,10 0-8 15,-15 0-3-15,15-18 3 16,-10-12 2-16,9-3-4 15,-13-3-1-15,-5 7 0 16,-5 3 11-16,-18 5-12 16,14 6 1-16,-14 10 0 15,-9 5-10-15,10 0 9 0,-10 0-7 16,9 0 6-16,0 0-22 16,0 9 23-16,-9-6-6 15,0 3 7-15,0-4-9 16,0-2 12-16,0 0-3 15,0 0 8-15,0 0-2 16,0-2 6-16,0-13-12 16,-9 1 0-16,-9 2-2 15,8 3 3-15,1 4-1 16,-14 5 0-16,14 0-10 16,-9 11 7-16,-23 30-1 0,22 8 4 15,1 4-8 1,4-1 8-16,14-5 0 0,0-9 0 15,23-8 3-15,14-11-3 16,13-7 0-16,1-9 1 16,8-3 3-16,1-3 0 15,-1-35-4-15,1-14 7 16,8-16-1-16,-17-11 6 16,-6-8 4-16,-13-9-8 15,-13 0 21-15,-10-3-22 16,-9 6 4-16,0 14 9 15,0 23-18-15,-9 24 17 16,0 20-19-16,9 12 1 16,-19 26-6-16,10 45-15 15,-23 25 20-15,14 18-1 0,-5-1 7 16,23-4-6 0,0-15 0-16,0-11-7 0,0-16 4 15,23-20-53-15,4-15-11 16,5-20 0-16,-4-12-74 15,13 0-6-15,-14-6-24 16,-4-29 1-16,-23-9-4 16,0-6-16-16,0-1 83 15,-32-4 103-15,-9 9 8 16,-5 12 53-16,-4 8 65 16,-10 8-31-16,19 10 5 15,23 3-33-15,9 0 2 0,9 5 9 16,0 0-70-1,9 0-1-15,50 0 15 0,19-3-7 16,14-14 29-16,-14-3-7 16,9-6 7-16,-10-1 10 15,-26 7-9-15,-10 2 10 16,-23 6-12-16,-18 10-17 16,0-1 27-16,0 3-25 15,0 0-4-15,0 0-20 16,0 0-6-16,0 0-6 15,0 5-2-15,0 13-88 16,-18 0-46-16,0-10-75 0,-14-2-193 16</inkml:trace>
-  <inkml:trace contextRef="#ctx0" brushRef="#br2" timeOffset="281116">1336 4303 355 0,'0'0'214'0,"0"0"-142"16,0 0 35-16,0 0 2 0,0 0-28 15,0 0-5-15,0 0-23 16,87-82 2-16,-87 82 7 16,0-3-43-16,0 3 7 15,0 0-26-15,0 0 1 16,0 0-5-16,0 0-9 16,0 3 13-16,0 3-1 15,0-6 10-15,9 0-9 16,24 0 6-16,-6 0-3 15,14-11 15-15,-4-13-13 16,4 1 22-16,-14-3 22 16,-13 2-34-16,-5 1 23 0,-9 8-14 15,0-2-24 1,0 2 12-16,-23 4-12 0,-4 2-2 16,-23 6-4-16,8 3 0 15,6 0 6-15,-5 9 0 16,22 14-2-16,-13 0-7 15,23 1 9-15,9 0-14 16,0-5 5-16,0 5-31 16,41-7 22-16,1-4 5 15,-6-11-35-15,-4-2-23 16,-4 0-53-16,-28 0-66 16,0-17-134-16</inkml:trace>
+  <inkml:trace contextRef="#ctx0" brushRef="#br1" timeOffset="-212193.73">9315 2028 130 0,'0'0'174'0,"0"0"-87"16,0 0 5-16,0 0 8 0,0 0-27 15,0 0 34-15,0 0-10 16,14-6 2-16,-5 6 1 16,-9 0-28-16,0-3 0 15,0 3-14-15,0 0-30 16,9 0 5-16,-9 0-18 16,0 0 4-16,0 0 15 15,0 0-22-15,-9 0 16 0,-32 0-5 16,-19 0-21-1,-18 0 15-15,-32 9-16 0,-9 4 1 16,-27-2 5-16,-24 0-1 16,6-6-6-16,3-1 1 15,56-4 8-15,37 0-6 16,45 0-3-16,23 0 0 16,0 0-1-16,0 0 1 15,0 0 0-15,9 0-1 16,23-9 0-16,-5-12-5 15,14 1 6-15,1 0 0 16,-6-1-1-16,-4 0 7 16,-4 3-6-16,4-7 0 0,-5 5 1 15,-8 2-7 1,13 4 6-16,-23 8 0 0,0 3-4 16,0 3 10-16,-9 0-6 15,0 0 0 1,0 0 5-16,0 0-15 0,0 0 10 15,0 0-5-15,-18 11 0 16,-23 19-3-16,-28 8 8 16,0 8 1-16,-9 1 6 15,-8 3-7-15,-15 2 0 16,0 1 0-16,5-1 2 16,27-8 2-16,19-6-4 15,32-6 0-15,18 0-6 16,9 3 0-16,69 0 2 0,41-6-11 15,27 1-8 1,5-12-69-16,-4-1-63 0,-51-3-127 16,-37-6-218-16</inkml:trace>
+  <inkml:trace contextRef="#ctx0" brushRef="#br1" timeOffset="-211399.73">7186 2033 514 0,'0'0'246'0,"0"0"-99"0,0 0-3 16,0 0-20-16,0 0-22 16,0 0-47-16,0-54 5 15,0 54-31-15,-18 0-13 16,18 0-7-16,-23 23-2 15,5 21-7-15,-14 8 4 16,-5 6 2-16,-4 1 7 16,4 2-11-16,5-9-1 15,14-5 9-15,9-11-3 16,0-17-7-16,9-7 0 16,0-9 6-16,0-3 1 0,0 0-1 15,0 0 20-15,0-15 23 16,0-32-40-1,18-13 2-15,32-16-10 0,10-9 6 16,-5-3-5-16,-5 4-2 16,-9 11 0-16,-13 21-3 15,-5 19 5-15,-14 19-2 16,-9 11 0-16,9 3-16 16,0 3 14-16,0 41-13 15,-9 17 14-15,9 12-10 16,5 9 14-16,-5-10-3 0,0-1 0 15,10-16 2 1,13-8-9-16,-14-10-21 0,0-11-32 16,-8-8-6-16,-10-9-47 15,0-9-27-15,0 0-1 16,-19 0-78-16,-17 0-38 16,-15-15-135-16</inkml:trace>
+  <inkml:trace contextRef="#ctx0" brushRef="#br1" timeOffset="-211214.73">6957 2282 356 0,'0'0'133'16,"0"0"15"-16,0 0-6 15,0 0-57-15,0 0-33 0,0 0-15 16,110-21 28 0,-32 7-28-16,23-6-22 0,27-13 1 15,0-1-16-15,-9-2-6 16,-32 2-96-16,-27 3-104 15,-28 3-85-15</inkml:trace>
+  <inkml:trace contextRef="#ctx0" brushRef="#br1" timeOffset="-210769.73">7589 1517 374 0,'0'0'150'0,"0"0"16"0,0 0-29 0,0 0-18 15,-265-137-22-15,205 132-14 16,1 5-11-16,-10 0-35 16,-9 18-8-16,-13 28-4 15,-6 15-19-15,6 24 21 16,13 14-18-16,9 11-7 16,19 13 12-16,23 2-12 15,17 1-2-15,10 2 0 16,0-2 8-16,60-13-3 15,9-14-5-15,18-26 0 16,22-27 4-16,10-21 2 16,-13-23-6-16,22-2 13 15,-9-17-12-15,0-36 47 16,-9-11-4-16,-23-15-7 0,-5-4 20 16,-22-20-25-1,-24-11 17-15,-4-8-5 0,-32-9-30 16,0-4 17-16,-32 10-15 15,-36 17-13-15,-33 21 5 16,-13 25-8-16,-28 25-1 16,-5 16-1-16,1 21-17 15,8 0 1-15,10 23-64 16,9 38-49-16,9 24-18 16,10 16-117-16,22 11-212 15</inkml:trace>
+  <inkml:trace contextRef="#ctx0" brushRef="#br2" timeOffset="-206322.73">5950 2310 488 0,'0'0'205'16,"0"0"-82"-16,0 0-1 15,0 0 2-15,0 0-20 16,0 0-36-16,14 0-3 15,-14 0-25-15,0 0-15 16,0 0 17-16,-23 0-27 16,-36 0 2-16,-1 0 1 15,-18 0-18-15,1 0 21 0,-24 0-21 16,5 0 0-16,-14 0 5 16,9 0 2-16,14 0-7 15,28 0 0-15,22 0 5 16,14 0-8-16,23 0 3 15,0 0 0-15,0 0 2 16,0 0 3-16,0 0-5 16,0-11 0-16,0-6 2 15,0-6-9-15,0-7 7 16,32-5-5-16,-23 1-3 16,10 1-4-16,-1 4 12 15,-4 11 0-15,-5 4 1 0,-9 7-4 16,0 5 3-1,0-1 0-15,0 3-8 0,0 0 9 16,0 0-1-16,0 0 0 16,0 0 2-16,0 0-6 15,0 0 4-15,0 0 0 16,0 0-6-16,0 0 5 16,0 0 1-16,0 0 0 15,0 9 0-15,-41 12-3 16,-10 8 3-16,-8 3 0 15,-10 3-1-15,-9 2 6 16,1 1-5-16,8 0 0 16,19-3 6-16,-1 1-8 15,24-4 2-15,4-6 0 16,14-6-4-16,0-2 5 0,9-1-1 16,0 7 0-16,32 2 5 15,27 3-6-15,28-2 1 16,23-2 0-16,9-4 2 15,18-4 4-15,-18-5-12 16,-4-3-49-16,-24-4-168 16,-40-5-277-16</inkml:trace>
+  <inkml:trace contextRef="#ctx0" brushRef="#br2" timeOffset="-201130.73">229 2402 629 0,'0'0'172'0,"0"0"-43"0,0 0 22 15,0 0-72-15,0 0-13 16,0 0-37-16,0 0-25 15,0 0 1-15,77-71-1 16,-45 71-4-16,-4 0 0 16,-5 21 2-16,-14 8-7 15,0 12 5-15,-9 11 0 16,-9 9-7-16,-51 9 15 0,-8-3-8 16,-1-11 0-1,1-9 11-15,8-12-9 0,19-9-2 16,22-10 0-16,6-6-7 15,13-4 8-15,0-3-2 16,13-1 1-16,33-2 0 16,37 0 5-16,-6 0-5 15,10-2 0-15,-4-17-2 16,-14 6 10-16,-10-2-16 16,-22 4 2-16,4 2-92 0,-23 6-95 15,0 0-153 1</inkml:trace>
+  <inkml:trace contextRef="#ctx0" brushRef="#br2" timeOffset="-198695.73">1048 2468 426 0,'0'0'248'0,"0"0"-129"16,0 0 51-16,0 0-46 15,0 0-31-15,0 0-19 16,-41-87-40-16,13 87 1 0,10 0-26 16,-14 0-7-1,-5 5-4-15,5 25 2 0,5 8 0 16,-5 14 0-16,23 7 3 16,-1-1-7-16,10 3 4 15,0-9 0-15,51-8-6 16,-5-14 6-16,13-16 0 15,-9-12-2-15,10-2 7 16,-10 0-2-16,1-25-1 16,-15-13 0-16,-4-11 18 15,-4-16-19-15,-19-7 23 16,0-4 8-16,-9 5-20 16,0 19 23-16,-9 17-24 15,-28 12-9-15,-4 13 7 16,-9 10-9-16,13 0 0 0,-13 13-1 15,9 21-4-15,13 11-2 16,5 1 7-16,23 7 0 16,0-7-10-16,41-5 11 15,28-12-1-15,9-12 0 16,4-13-4-16,14-4 0 16,-18-9 4-16,14-26 0 15,-33-6 11-15,-22-6-6 16,-5-3 2-16,-23-2 22 15,-9-6-23-15,0-1 29 16,0 10-15-16,-9 14-11 16,-9 12 18-16,-5 14-27 15,14 6 11-15,0 3-11 0,-1 0-12 16,1 38 10-16,-5 17-5 16,-4 15 7-16,18 7-5 15,0 1 8-15,0-3-3 16,0-4 0-16,0-7 6 15,0-14-9-15,18-16 3 16,-4-13 0-16,-14-12-9 16,0-6 6-16,9-3 3 15,1 0 4-15,-1 0 4 16,9-27 1-16,5-2-9 16,4-3 0-16,-4 5-6 0,-4 7 6 15,8 12-2 1,-18 5 1-16,23 3-23 0,-14 0 11 15,5 9-6-15,-4 13-1 16,-10 2 19-16,-9 0-26 16,0 2 14-16,0-3 1 15,-18 1-20-15,-33-7 13 16,19-2-15-16,-4-9-1 16,26-4 30-16,10-2-1 15,0 0 6-15,10 0 0 16,40-18 0-16,9-13-1 15,-4-7 1-15,5-3 0 16,-1 0 6-16,-8 3-4 16,-19 6 9-16,-14 3 15 0,-18 3-8 15,0 0 14 1,0 2-7-16,0 10-11 0,0 5 17 16,0 6-25-16,0 3 7 15,0 0-13-15,0 0-16 16,0 35 7-16,0 18 7 15,0 16 2-15,-9 10-2 16,0 6 2-16,-14 2 0 16,14 0 0-16,9-1 7 15,0-11-7-15,0-5 0 16,0-17 1-16,0-13-4 16,0-14 5-16,0-10-2 15,-19-11 0-15,-22-5 9 0,-18 0-1 16,-1-5-8-16,14-25 0 15,-4-5-8-15,18-3 6 16,14-5 0-16,18-2 0 16,0-4-27-16,9-7 18 15,41-8-5-15,19-5-3 16,0-5 13-16,8 11 0 16,-8 4 6-16,-10 15 0 15,-8 9 5-15,-10 6-5 16,9-3 0-16,-13 3 2 15,4 0 0-15,-13-3 2 16,4 5-1-16,-14-1 18 16,-9 4-16-16,-9 4 19 15,0-1-11-15,0 6-12 0,0 4 16 16,-9 2-17-16,0 7 0 16,0 2 0-16,0 0-10 15,-14 0 9-15,4 8-3 16,10 24 2-16,-14 6-7 15,14 6 9-15,9 2 0 16,0-5-2-16,0-5 5 16,0-14-5-16,23-4 2 15,5-9-4-15,22-7-4 16,-14-2 8-16,6 0 0 16,8-2 6-16,-9-19-1 0,-4-2 0 15,-5 0-5-15,-5 3 4 16,5-1-5-16,-13 7 1 15,-1 5 0-15,-9 3-1 16,0 3 1-16,5 3-4 16,-5 0 4-16,0 0-12 15,1 0 6-15,-1 5 0 16,-9 0 6-16,0-1-6 16,9 0 6-16,-9-4 0 15,0 0 0-15,0 0 3 16,0 0 9-16,0 0-9 15,0 0 2-15,0-4-5 16,-18-5 4-16,-1 4-5 16,10 5 1-16,-5 0-8 0,5 0 3 15,0 3-9-15,9 20 13 16,0 6-6-16,0 1 10 16,9-2-3-16,14-7 0 15,-5-4 1-15,1-8-5 16,4-9 4-16,4 0 0 15,5 0 15-15,-4-35-12 16,13-11 7-16,-5-15-6 16,6-4-1-16,-15-2 20 15,5-3-8-15,-32-3 0 16,0 3 10-16,0 9-21 16,0 11 18-16,0 21-14 15,-9 14-3-15,-5 13 4 0,14 2-9 16,0 0-11-16,0 20 8 15,0 36-20-15,0 16 23 16,0 10 0-16,0 0 4 16,14-4-6-16,4-5 2 15,1-5 0-15,13-13-4 16,-5-17 4-16,14-12-13 16,-4-14-34-16,13-12-27 15,1 0 16-15,-24-24-21 16,-4-11-7-16,-23-5 13 15,0-3-19-15,-41 4 19 16,-19-2 40-16,-8 9 10 16,8 6 19-16,1 5 1 0,22 9 3 15,14 4 14 1,14 5 10-16,9 3 22 0,0-3-14 16,0 3-9-16,0 0 11 15,9-5-25-15,23 1 1 16,5-4 26-16,31-8-16 15,-8-2 18-15,-1-7-10 16,1-1-14-16,-1 0 25 16,-17 0-15-16,-15 8 6 15,-18 0 12-15,-9 7-24 16,0 1 20-16,0 2-6 16,0 6-31-16,0-2 2 0,-9 2-3 15,0 2-2-15,0 0-4 16,0 0-9-16,-1 0 15 15,1 23 0-15,-4 9-2 16,13 6-7-16,0 6 9 16,32-4 0-16,27 1-3 15,-9-3 10-15,5-6-7 16,-4-2 0-16,-19-4 2 16,-14-2-7-16,-9-2 5 15,-9-1 0-15,0-7-10 16,-59 1-5-16,-19-4-8 15,-9-5-36-15,-23-2-54 16,0-2-10-16,0-2-59 0,5 0-97 16,-23 0-320-1</inkml:trace>
+  <inkml:trace contextRef="#ctx0" brushRef="#br2" timeOffset="-198252.73">1877 2037 346 0,'0'0'408'0,"0"0"-256"16,0 0-11-16,0 0-19 15,0 0-24-15,0 0-60 0,-10-85-3 16,10 85-23-16,0 0-9 15,-9 0-6-15,0 21-15 16,-14 14 18-16,14 5-6 16,0-4 10-16,9-7-4 15,0-10 0-15,0-1 6 16,18-12-2-16,23-2 9 16,1-4 15-16,-6 0 33 15,5-12-30-15,-4-14 9 16,-14-1-2-16,-14-2-20 15,0-6 15-15,-9 3-21 16,0 1-11-16,-41 5-2 16,4 4 0-16,-13 11-4 0,0 11-9 15,13 0-64-15,-4 5-17 16,13 36-81-16,-4 6-67 16,23-1-147-16</inkml:trace>
+  <inkml:trace contextRef="#ctx0" brushRef="#br1" timeOffset="-186115.73">7076 4306 512 0,'0'0'233'0,"0"0"-62"16,0 0 24-16,0 0-61 16,0 0-28-16,0 0-41 15,0 0-28-15,0-112 13 16,0 112-41-16,0 0-7 15,0 0-2-15,0 8-15 16,0 20 14-16,0 9-1 16,0 2 4-16,0-7-4 15,0-9 2-15,0-8 0 16,0-9-1-16,0-3 15 16,0-3-13-16,0 0 5 0,0 0-3 15,0 0 23-15,0-21-26 16,0-8 0-16,0-13-1 15,0-1 11-15,19-5-11 16,4-9 1-16,4 5-9 16,5-1 1-16,-4 15-8 15,-10 16 1-15,5 6 12 16,4 16-29-16,-4 0 21 16,5 0-10-16,-10 16-14 15,5 10 25-15,-14 3-22 16,-9 0 3-16,0-3 20 15,0-3-21-15,0-3 23 16,-9-5-11-16,0-2-14 16,9-11 31-16,0 1-9 0,0-3 10 15,0 0 1-15,0 0 8 16,0 0-12-16,0 0 3 16,27 6-5-16,14 5-7 15,-4 10 12-15,4 5 0 16,-13-2-4-16,4 2 4 15,-5-3-1-15,-18-2 1 16,-9-1-13-16,0-3 7 16,0-2-1-16,-45-9 0 15,-15-6 5-15,0 0 2 16,-17 0-3-16,17-16-19 16,1-12-39-16,17-12 19 0,33-13-43 15,9-9-43-15,19-18-165 16</inkml:trace>
+  <inkml:trace contextRef="#ctx0" brushRef="#br1" timeOffset="-185746.73">7580 3422 283 0,'0'0'186'0,"0"0"-40"16,0 0-9-16,0 0-45 15,-224-70-16-15,141 73-14 16,-4 41-40-16,-4 14-2 15,13 18-10-15,9 18-3 16,10 16-1-16,31 18-6 16,5 9 0-16,23-2 5 15,0-16 3-15,32-22-8 0,37-21 0 16,32-24 6-16,4-17-6 16,23-23 0-16,0-12 5 15,1-21 37-15,-10-25 33 16,-19-13 38-16,-22-3-34 15,-18-7-46-15,-33-13 16 16,-27-17-34-16,0-11-5 16,-18-5 1-16,-51 13-2 15,-9 15-9-15,-13 26 0 16,13 17-8-16,-9 24-2 16,5 20-3-16,27 0-76 15,13 32-27-15,33 31-107 0,9 16-104 16</inkml:trace>
+  <inkml:trace contextRef="#ctx0" brushRef="#br1" timeOffset="-185113.73">9553 3947 447 0,'0'0'157'16,"0"0"-61"-16,0 0 37 0,0 0-25 16,0 0-18-16,0 0-75 15,-87-4 45-15,-5 8 6 16,-22 8-45-16,-5-2 17 15,0 1-33-15,0-3-2 16,9 1 11-16,14-6-7 16,4-3-7-16,14 0 0 15,19 0 9-15,32 0-9 16,4 0 0-16,23 0 0 16,0-3 15-16,0-12-13 0,0-3-2 15,23-4 0-15,-5 1 9 16,9-3-11-16,5 7 2 15,-23 0 0-15,1 6 4 16,-10 2 4-16,0 3-8 16,0 2 4-16,0 4 3 15,0 0 0-15,0 0-7 16,0 0 0-16,0 0-8 16,0 0 2-16,0 0 4 15,-10 6-1-15,-17 9 6 16,-5 1-7-16,5 3 4 15,-15 7 0-15,1-3-2 16,5 8 6-16,-6 6-4 0,15-3 0 16,-14 5 8-1,22-11-14-15,10 4 6 0,9-2 0 16,28-1-4-16,40-3 12 16,33-2-14-16,4-1 6 15,5-2-134-15,-9-7-127 16,-23-8-468-16</inkml:trace>
+  <inkml:trace contextRef="#ctx0" brushRef="#br2" timeOffset="-167768.73">17202 8909 585 0,'0'0'157'0,"0"0"-39"16,0 0 16-16,0 0-37 15,0 0-12-15,0 0-10 16,0 0-48-16,0-53 15 0,0 53-27 16,0 0-10-1,0 0 12-15,0 9-14 0,0 23-3 16,0 18 12-16,0 13-8 16,0 7 14-16,0 13-10 15,-19 4-8 1,-3 9 17-16,3 12-11 0,1 6-6 15,-5 6 0-15,14-4 14 16,0 1-15-16,-10 1 1 16,10-6 0-16,-5-4-1 15,5-3 3-15,0-6-2 16,0-8 0-16,9-3 11 16,0-13-16-16,0-8 5 15,0-12 0-15,0-11-4 16,0-15 5-16,0-9-1 0,0-8 0 15,0-8 8-15,0-4-8 16,0 0 2-16,0 0-2 16,0 0 24-16,0 0-22 15,0-16 23-15,0 0-20 16,-9-3 4-16,0 11-3 16,-5-1-6-16,-4 3 1 15,-1 4-10-15,10-1 9 16,0 0 0-16,9 3 0 15,0 0 1-15,0 0-7 16,0 0 6-16,0 0 0 16,0 0-13-16,0 0 16 0,0 0-3 15,0 0 2 1,0 0 8-16,0-3-5 0,-14-3-5 16,5-3 2-16,0-2-3 15,-9-4 4-15,9 4-3 16,-5-1 0-16,5 3 9 15,9 6-11-15,-9 3 2 16,9 0 0-16,0 0-8 16,0 0 8-16,0 0-2 15,0 0 0-15,0 0-10 16,0 19 10-16,0 3 2 16,0 0-1-16,9 0-11 15,32-2 12-15,-14-2 0 16,15-5 0-16,-15 0 1 15,14-5-3-15,0-4 2 0,-4-4 0 16,13 0-8 0,1-10 12-16,8-10-4 0,-8-6 0 15,-6-3-5-15,6-6-2 16,-10-6-95-16,-14-3-74 16,-17-3-67-16,-10-5-157 15</inkml:trace>
+  <inkml:trace contextRef="#ctx0" brushRef="#br2" timeOffset="-166981.73">15032 11817 489 0,'0'0'169'16,"0"0"-29"-16,0 0-25 15,0 0-26-15,0 0-38 0,0 0-28 16,0-36-19-16,0 40-8 16,0 28 4-16,0 9 0 15,0 5 14-15,0 1-14 16,0 2 0-16,0-2 1 16,0-3 5-16,0-3-12 15,-23-6 3-15,14-6-126 16,0-11-66-16,9-10-150 15</inkml:trace>
+  <inkml:trace contextRef="#ctx0" brushRef="#br2" timeOffset="-166756.73">15101 11989 323 0,'0'0'152'0,"0"0"2"0,0 0-37 15,0 0-19-15,0 0-21 16,0 0-8-16,0-53-44 16,0 53-25-16,0 9-9 15,0 26-6-15,0 8 15 16,9 7 4-16,0-3-4 16,-9 3-4-16,9-4-60 15,0-8-139-15,-9-3-62 16</inkml:trace>
+  <inkml:trace contextRef="#ctx0" brushRef="#br2" timeOffset="-165840.73">15622 12222 239 0,'0'0'402'0,"0"0"-239"16,0 0-21-16,0 0-31 0,0 0-34 15,0 0-11-15,-155-102-55 16,132 102-2-16,5 12-9 16,-14 23 0-16,-5 14-5 15,5 9 5-15,4 6 0 16,10 4-3-16,-5 2 7 15,23 0-4-15,0-6 0 16,23-9-6-16,23-11 0 16,23-19 6-16,4-9-1 15,-4-16-7-15,-1 0 5 16,-8-3 3-16,-1-26 2 16,-13-6 4-16,-14-5 4 15,-5-11-6-15,-4-1 6 16,-13-6 35-16,-10-1-17 15,0-5 6-15,0 12-3 0,-23 8-25 16,13 21 22-16,-8 13-17 16,9 10-5-16,9 0-6 15,0 6-4-15,-9 38 1 16,-14 11-4-16,14 16 14 16,9-1-11-16,0 0 4 15,0-6 0-15,0-9-7 16,32-8 10-16,-14-12-3 15,0-12 0-15,5-8-12 16,-4-11 7-16,-19-4-2 16,18 0 7-16,5-4-8 15,4-28 13-15,15-9-5 16,3-2 0-16,-22 7 7 0,-4 16-5 16,-10 11-2-16,-9 9 0 15,0 0-7-15,9 0-4 16,0 0 3-16,14 21 8 15,4 5-2-15,-4 0-3 16,-4-6 5-16,-1 1-7 16,5-5 1-16,-14-3-17 15,9-7 23-15,0-3-2 16,-8-3 0-16,22 0 2 16,-5-12 0-16,5-16 0 15,5-8 4-15,-5-1 3 16,-5 1-7-16,-4 4 0 0,-23 9 9 15,0 8 3-15,0 10-8 16,0 5-3-16,0 0 1 16,0 0-2-16,0 2-11 15,0 30 6-15,0 0 5 16,9 3-3-16,10-6 3 16,-1-6-8-16,5 1 7 15,-5-15-52-15,0-4-23 16,15-5-17-16,8 0-57 15,-14-2-3-15,14-28-99 16,-13-8-189-16</inkml:trace>
+  <inkml:trace contextRef="#ctx0" brushRef="#br2" timeOffset="-165539.73">16483 12330 282 0,'0'0'137'0,"0"0"-42"15,0 0-7-15,0 0-45 16,0 0 2-16,0 0-43 16,-128 29 5-16,128-15-7 15,18-4 4-15,33-8 12 16,8-2 9-16,-4 0 6 16,-5-6 21-16,-8-9-18 15,-24-4 7-15,-18-2 15 16,0 4-31-16,0-4-1 0,-51 8-24 15,-8 9-13-15,13 4 8 16,-13 0-10-16,18 0-48 16,31 14-45-16,10 12-61 15,0 3-109-15</inkml:trace>
+  <inkml:trace contextRef="#ctx0" brushRef="#br2" timeOffset="-163560.73">16982 12167 287 0,'0'0'402'15,"0"0"-230"-15,0 0-47 0,-69-158-21 16,60 144 0-16,9 10-53 16,0 4-18-16,0 4-33 15,0 45-18-15,0 15 14 16,0 24 4-16,0-1 0 15,0-3-3-15,0-1 6 16,0-11-3-16,0-7 0 16,0-13-3-16,0-11 2 15,0-18-96-15,0-8-42 16,0-12-7-16,0-3 21 16,0 0 66-16,-9-24-32 15,-9-8 75-15,-23-8 13 16,13 2 3-16,-4 3 0 0,14 5 13 15,-1 10 2-15,6 9 22 16,13 3-7-16,0 7-9 16,0 1 4-16,0 0-25 15,0 0 0-15,32 0 1 16,27 0 2-16,1 0 8 16,8 0 2-16,1 0-6 15,9 0 25-15,0-21-3 16,-19-3 6-16,-18-2 28 15,-13-2-11-15,-14-8 23 16,-14-4-18-16,0-4-14 16,0 3 22-16,-23-5-23 0,-5 11-32 15,-4 7 24-15,14 14-29 16,9 9 24-16,0 5-23 16,9 0-2-16,0 17-8 15,0 36-15-15,-10 13 19 16,-3 11 1-16,4-1 1 15,9-4-2-15,0-7 0 16,0-16 6-16,0-8-7 16,0-15 1-16,0-9 0 15,0-11-8-15,0-6 1 16,0 0 7-16,0 0 2 16,0 0 7-16,9-23-8 15,14-15-1-15,4-2 0 0,5 2-6 16,-4 9 6-1,4 8 0-15,-14 12 0 0,0 9-20 16,-9 0 6-16,23 0-18 16,-13 21 14-16,13 5 15 15,-14 0-36-15,-9 6 5 16,0-6 19-16,-9-3-16 16,10-2 30-16,-10-6-4 15,13-7 5-15,-13-8-4 16,9 0 11-16,1 0-6 15,-1 0 18-15,9-2-17 16,14-22 20-16,-4-8-21 16,13 0 1-16,0-3 7 15,-4-3-3-15,13 0-6 0,-9 6 0 16,-13 9 7-16,4 9-12 16,-14 8 5-16,0 6-6 15,1 0 3-15,3 6-13 16,-3 14 16-16,-1 6-2 15,-18-3 2-15,14 1-4 16,-5-13 4-16,0-5 0 16,-9 3-4-16,0-9 10 15,0 0-6-15,0 0 17 16,0 0-15-16,0-25 8 16,0 7-10-16,-18-6 0 15,-5 6-2-15,-5-8 4 16,6 8-2-16,12 6 0 0,-8 9 4 15,9 3-12-15,9 0 3 16,-9 0-21-16,0 19 18 16,-5 16 8-16,5 2 4 15,0-1-4-15,9-7 6 16,0-9-9-16,0-8 3 16,9-4 0-16,14-8 3 15,-5 0 2-15,-9 0-3 16,9 0 7-16,5-12-3 15,-4-8 1-15,-10 0-7 16,9 0 1-16,-18 2 8 16,0 9-4-16,0 6-4 0,0 3 1 15,0 0-2-15,0 0-1 16,0 24-23-16,0 8 24 16,0 6 0-16,0-6 3 15,23-6-3-15,-5-6 0 16,1-7 8-16,-10-5-8 15,14-8 0-15,-14 0 0 16,18 0 20-16,5-15-19 16,5-14 14-16,4-9 14 15,0 1-24-15,-4-7 15 16,4 6-20-16,0-1 3 16,-22 13 0-16,8 12-2 15,-13 7-1-15,4 7 0 0,0 0-21 16,14 15 20-1,-4 21-5-15,-10-1 3 0,5 3-6 16,-23-4 9-16,18-8 0 16,-8-2 0-16,-10-9 5 15,22-10-9-15,-12-2 4 16,-1-3 0-16,0 0 4 16,18 0 0-16,5-23-4 15,10-6 0-15,3-4 8 16,-3-4-6-16,-15 1-2 15,14 2 0-15,-13 2-3 16,-5 12 6-16,-5 10-3 0,-9 7 0 16,0 3-11-1,14 0 9-15,-14 21-11 0,-9 5 9 16,9-2-1-16,-9-7 3 16,0-6 2-16,10 2-1 15,-10-13 3-15,0 0-2 16,0 0 0-16,0 0 0 15,0 0 15-15,0 0-15 16,-28-13 0-16,-4 2 0 16,5 0 8-16,-15 2-11 15,15 3 3-15,4 6-11 16,5 0 9-16,-10 9-11 16,15 23 13-16,-6 10-4 0,10 7 6 15,-9-6-9 1,18-5 0-16,0-12-18 0,0-12 14 15,0-8-20-15,9-6 29 16,18 0-6-16,-4 0 16 16,-4-8-5-16,8-18-3 15,-4-7 0-15,4-1 14 16,-8-2-5-16,4 7 3 16,-14 12 12-16,0 8-19 15,-9 9 7-15,9 0-12 16,0 0-18-16,5 6 11 15,4 17 4-15,1 1 3 16,-10-4 0-16,14-6-42 16,-5 1-52-16,0-12-126 0,-9-3-89 15</inkml:trace>
+  <inkml:trace contextRef="#ctx0" brushRef="#br2" timeOffset="-163298.73">19225 11907 403 0,'0'0'173'0,"0"0"-53"16,0 0-19-16,0 0 7 16,0 0-87-16,0 0-16 15,0 23-9-15,0 36 8 0,0 2 2 16,0-6-4-16,0-5-2 15,0-15 0-15,9-9-34 16,0-12-94-16,23-10-79 16,-23-4-115-16</inkml:trace>
+  <inkml:trace contextRef="#ctx0" brushRef="#br2" timeOffset="-163171.73">19403 12044 63 0,'0'0'137'0,"0"0"33"15,46-181-27-15,-32 140-21 16,-5 15-32-16,-9 11-18 15,0 13 12-15,0 2-54 16,9 14-30-16,-9 27-9 16,9 20 9-16,1 9 4 15,-1 12-4-15,-9 0-95 0,0 11-321 16</inkml:trace>
+  <inkml:trace contextRef="#ctx0" brushRef="#br2" timeOffset="-162338.73">18534 12975 559 0,'0'0'168'16,"0"0"-52"-16,0 0 8 16,0 0-26-16,0 0-18 0,0 0-21 15,-128-123-37-15,128 123-16 16,0 26-6-16,0 15 0 16,0 15-3-16,0 2 3 15,27 15 0-15,42 3-2 16,31 11 11-16,29 9-9 15,40 3 0-15,-4-9 2 16,32-5 1-16,22-14-3 16,6-19 0-16,35-11 3 15,-3-9 4-15,-1-8-7 16,-9-16 0-16,-32-2 4 16,-36-6-6-16,-51 0 6 15,-50-6-4-15,-9-9 10 0,-19-11 0 16,-23 3 44-1,5-4-7-15,-13-1-26 0,-1-2 14 16,-18 4-27-16,0 0 1 16,0-1 5-16,-9 7-8 15,-37-6-6-15,-13 0 0 16,-15 2-1-16,6 7-4 16,8 11 5-16,33 0 0 15,18 1-5-15,9 5 2 16,0 0 0-16,0 0-1 15,18 19-4-15,32 14-1 16,10-1 9-16,8 0 0 16,1-6 1-16,0 6 7 15,-10-5-8-15,1 5 0 0,-1-4 2 16,-17 7-9-16,-6-2 7 16,-27-4 0-16,-9 0-5 15,0-6 7-15,-9 3-7 16,-41 4 2-16,-28-4-94 15,0 3-35-15,0 3-123 16,10-2-239-16</inkml:trace>
+  <inkml:trace contextRef="#ctx0" brushRef="#br2" timeOffset="-160789.73">23299 13666 345 0,'0'0'479'0,"0"0"-362"15,0 0 7-15,0 0-6 16,0 0-53-16,0 0-28 15,-60-82-37-15,60 91-3 16,0 23 3-16,0 9 0 16,0 5 12-16,-9-2-12 0,0 0 8 15,0-6-5-15,0-9-3 16,9-6 0-16,0-14-2 16,0-2 6-16,0-7-4 15,0 0 0-15,27 0 6 16,24-28 10-16,-1-3-16 15,9-8 0-15,-4 5 4 16,-14 2 1-16,-8 8-5 16,-15 16 0-16,-9 2 1 15,0 6-10-15,14 0 1 16,-5 26 7-16,19 12-10 16,4-1 17-16,-9-4-6 15,-4-4 0-15,13-6 2 0,-5-2-7 16,15-15 5-16,-10-4 0 15,-4-2-2-15,-5 0 10 16,4-6-8-16,-13-20 6 16,5-9-2-16,-19-5 9 15,-9-10-13-15,0 0 14 16,0 1 7-16,-28 11-20 16,-13 0 23-16,5 18-10 15,-6 5-7-15,24 15-11 16,-14 0 4-16,5 9-2 15,4 29-7-15,4 8 7 16,19 7 2-16,0 2 0 16,0-3-3-16,0-5-3 15,32-12 0-15,5-11-9 0,4-12 15 16,-4-6-20-16,4-6 20 16,0 0 0-16,-13-16 3 15,4-12 4-15,-5-13-7 16,-9-3 0-16,-4-3 9 15,-14 4-4-15,0-1-1 16,0 15 2-16,0 11-1 16,0 10 6-16,0 8-11 15,0 0-15-15,0 28 13 16,0 16-10-16,0 9 12 16,9-7 0-16,1-2 4 15,-1-9-10-15,18-9 6 16,5-7 0-16,-4-14-3 0,22-5 9 15,0 0-6 1,-8 0 1-16,3-5 9 0,-3-23-7 16,-1-6-3-16,-14-2 0 15,5-2 7-15,-13 4 3 16,-1 8-8-16,-18 5 3 16,0 15 3-16,0 6-13 15,9 0 5-15,0 0-14 16,5 9 12-16,4 20-5 15,1 3 7-15,-10 1 0 16,14 1 4-16,-5-2-9 16,14-6 5-16,5-5 0 0,13-9-5 15,0-10 15-15,10-2-10 16,-14 0 0-16,4-7 8 16,-9-21-2-16,-13-9-5 15,-6-1-1-15,-3 3 25 16,-10-6-23-16,0 15 14 15,-9 8-2-15,0 12-12 16,0 6-2-16,9 0 0 16,5 12-14-16,13 17 5 15,1 9 11-15,-5 0-2 16,4-6 0-16,-4-6 5 16,5-11-9-16,-10-4 4 15,14-11 0-15,-5 0 2 0,5 0 6 16,-13 0-8-1,13-17 3-15,-5-6 5 0,1-1-6 16,-5-2-2-16,4 6 0 16,5 8-7-16,-14 4 8 15,10 8-1-15,4 0 0 16,9 0-7-16,-4 14 0 16,13 0 2-16,-9 4 0 15,19-4-1-15,-14-2-3 16,4-6 9-16,0-6 0 15,1 0 1-15,-15-12-2 16,-4-16 1-16,-4-14 0 0,-5-10 5 16,-14-3 4-1,-9-4-9-15,0 4 15 0,0 8-13 16,-23 15 19-16,-14 12-21 16,5 20 2-16,5 0-7 15,-5 17-3-15,4 32 8 16,19 10 0-16,9 0 1 15,0-1-5-15,0-9 4 16,46-2-1-16,36-9-8 16,14-12-29-16,14-5-26 15,28-9-62-15,-10-10-122 16,9-2-88-16</inkml:trace>
+  <inkml:trace contextRef="#ctx0" brushRef="#br2" timeOffset="-156515.73">27267 13307 498 0,'0'0'175'16,"0"0"-35"-16,0 0 3 15,0 0-35-15,0 0-4 0,0 0-14 16,69-122-43-16,-60 115 7 16,-9 2-27-16,0 5-9 15,0 0 4-15,0 0-22 16,0 0 0-16,0 12-3 16,0 28-4-16,0 19 7 15,0 8 0-15,-9 6 0 16,-9-7-1-16,-14-2 1 15,4-10 0-15,5-11-2 16,14-11 6-16,9-14-10 16,0-4 2-16,0-5-16 15,0-9 15-15,0 0-1 16,19 0 6-16,31 0 3 16,9 0 4-16,1-9-2 0,-10 4-5 15,-13-1 0-15,-5 3-7 16,-5 0 8-16,-4-3-1 15,-4 3 0-15,13-3 10 16,-5-8-11-16,14-4 1 16,-13 0 0-16,4-2 4 15,-23 0 2-15,9 0-6 16,-18 1 17-16,0 5-16 16,0 9 28-16,0-4-15 15,0 6-11-15,0 3 27 16,0 0-29-16,0 0 1 15,-18 0-2-15,-23 29 6 16,0 12-9-16,4-1 3 0,19 10 0 16,-24 9-5-16,24-7 5 15,-5 1 0-15,5-4 0 16,9-2-52-16,0-3-57 16,9-4-112-16,0 1-217 15</inkml:trace>
+  <inkml:trace contextRef="#ctx0" brushRef="#br2" timeOffset="-152071.73">5914 4137 608 0,'0'0'178'15,"0"0"-95"-15,0 0 14 16,0 0-13-16,0 0-2 0,0 0-32 15,9 0-10-15,-18 0 12 16,-42 0-37 0,-36 2-6-16,-13 4 0 0,-28 0-1 15,-19 0 3-15,-4 0-11 16,5-3 4-16,-1 3-2 16,28-2-2-16,28-4 0 15,45 0 0-15,32 0 9 16,14 0-12-16,0 0 3 15,0 0-28-15,23-4 20 16,14-13-2-16,13-5 10 16,-9 0-1-16,-4-5 10 15,4 4-8-15,0-6-1 0,-13-1 2 16,4 2-2 0,-14 5 0-16,0-1 0 0,-9 9 0 15,5 6 9-15,-5 9-9 16,-9-2 0-16,0 2 2 15,0 0-14-15,0 0 11 16,0 0-11-16,0 11 6 16,-41 15-3-16,-9 5 9 15,-19 14 0-15,-9-1 0 16,0 1-2-16,-13 3 2 16,22-5 0-16,19-1-1 15,13-7 5-15,28-6-4 16,9-5 0-16,0-1-9 15,9 0 8-15,60 1-32 0,9 5-35 16,22 5-48 0,-13 14-105-16,-27 4-227 0</inkml:trace>
+  <inkml:trace contextRef="#ctx0" brushRef="#br2" timeOffset="-151226.73">247 3870 667 0,'0'0'160'15,"0"0"-5"-15,0 0-30 16,0 0-21-16,0 0-6 15,0 0-54-15,0 0-1 0,-105-83-13 16,96 83-23-16,-14 34-2 16,13 31-5-16,-8 17 0 15,-5 11 1-15,23 3 7 16,-9-3-8-16,9 1 0 16,0-3 8-16,0 0-24 15,0-7-16-15,0-6-77 16,0-8-63-16,0-17-167 15,9-14-331-15</inkml:trace>
+  <inkml:trace contextRef="#ctx0" brushRef="#br2" timeOffset="-148950.73">563 4574 208 0,'0'0'364'0,"0"0"-221"15,0 0-10-15,0 0-40 16,0 0 11-16,0 0-46 16,-9-119-24-16,9 119-13 15,-10 0-21-15,1 0-10 16,0 23 6-16,0 15 4 16,-14 3 1-16,23 2-1 15,0 2-14-15,0-11 11 16,0-2-39-16,32-14 20 0,-4-11 17 15,4-7 2-15,-5 0 3 16,5-1 0-16,-14-29 0 16,-8-4 11-16,-10-7-7 15,0 0 8-15,0-4 21 16,0 2-18-16,-10 5 23 16,-8 6-25-16,-23 6-6 15,14 15 3-15,-15 8-10 16,-8 3 0-16,13 3-1 15,-4 23 2-15,9 9-7 16,23 5 6-16,9-2 0 16,0 3-7-16,32-5 2 15,18-10 5-15,5-9-1 0,19-11-4 16,3-6 3 0,1 0 2-16,9-29 0 0,-14-10 2 15,-4-8 7-15,-23 3-9 16,-14-13 13-16,-14-1-4 15,-9-3 40-15,-9-4-6 16,0 0-16-16,0 16 16 16,-9 11-33-16,0 15 20 15,-9 14-5-15,9 9-23 16,9 0-4-16,-14 36 0 16,5 36 0-16,-1 27-12 15,10 10 21-15,0 0-7 16,0-9 0-16,10-10 7 15,22-11-10-15,-5-14 3 0,-9-24 0 16,5-15-11-16,-14-12 13 16,1-11-2-16,-10-3 14 15,9 0-12-15,14-32 18 16,-14-12-20-16,18 1 1 16,-8-7-5-16,4 4 7 15,-5 5-3-15,-9 9 0 16,0 14 8-16,-9 12-15 15,23 6 7-15,-5 0-19 16,14 15 7-16,5 17-15 16,-5 9 6-16,-14-3 3 15,-9-3-25-15,-9 0 26 0,0-6-16 16,-9-3-7-16,-41-3 35 16,-10-7-21-16,10-6 19 15,14-6 4-15,3-4 6 16,24 0 2-16,9 0-5 15,0-12 4-15,0 0 0 16,0 1-1-16,0-4-3 16,32 5 0-16,5-3 5 15,-5-2-8-15,18 0 3 16,5-5 0-16,5-6 1 16,-1 0 6-16,1-4 0 15,-10 1 22-15,-18 3-10 16,-13 6 30-16,-1 2-11 0,-18 5-16 15,0 3 19-15,0 4-34 16,0 6 11-16,0 0-18 16,0 0-3-16,0 16 0 15,0 27-16-15,-9 24 19 16,0 15-5-16,-10 7 5 16,-4 8 0-16,5 2 0 15,9 0 11-15,0-6-14 16,-5-11 3-16,14-9 0 15,0-13-5-15,-9-18 7 16,9-19-2-16,-9-11 0 16,-10-12-1-16,-13 0 1 15,-4 0 0-15,-24-20 4 0,1-15-10 16,8-3 6 0,33-6 0-16,9-8-2 0,9-8 0 15,36-3-2-15,42-13-2 16,23-3-11-16,9-8 13 15,-5-4-9-15,5 10 13 16,-18 14 0-16,-38 14 6 16,-12 21-7-16,-33 14 1 15,0 7 0-15,-9 6 6 16,0-1-3-16,0 2 4 16,0 4 4-16,0 0-4 15,0 0 4-15,0-2-11 0,0 2 1 16,-9-4-10-1,-9 4 6-15,-1 0-4 0,-4 16 7 16,5 18-5-16,0 7 3 16,18 3 2-16,0-4 0 15,0-5-10-15,27-5 10 16,14-13 0-16,-4-8 0 16,4-9 11-16,10 0-8 15,-15 0-3-15,15-18 3 16,-10-12 2-16,9-3-4 15,-13-3-1-15,-5 7 0 16,-5 3 11-16,-18 5-12 16,14 6 1-16,-14 10 0 15,-9 5-10-15,10 0 9 0,-10 0-7 16,9 0 6-16,0 0-22 16,0 9 23-16,-9-6-6 15,0 3 7-15,0-4-9 16,0-2 12-16,0 0-3 15,0 0 8-15,0 0-2 16,0-2 6-16,0-13-12 16,-9 1 0-16,-9 2-2 15,8 3 3-15,1 4-1 16,-14 5 0-16,14 0-10 16,-9 11 7-16,-23 30-1 0,22 8 4 15,1 4-8 1,4-1 8-16,14-5 0 0,0-9 0 15,23-8 3-15,14-11-3 16,13-7 0-16,1-9 1 16,8-3 3-16,1-3 0 15,-1-35-4-15,1-14 7 16,8-16-1-16,-17-11 6 16,-6-8 4-16,-13-9-8 15,-13 0 21-15,-10-3-22 16,-9 6 4-16,0 14 9 15,0 23-18-15,-9 24 17 16,0 20-19-16,9 12 1 16,-19 26-6-16,10 45-15 15,-23 25 20-15,14 18-1 0,-5-1 7 16,23-4-6 0,0-15 0-16,0-11-7 0,0-16 4 15,23-20-53-15,4-15-11 16,5-20 0-16,-4-12-74 15,13 0-6-15,-14-6-24 16,-4-29 1-16,-23-9-4 16,0-6-16-16,0-1 83 15,-32-4 103-15,-9 9 8 16,-5 12 53-16,-4 8 65 16,-10 8-31-16,19 10 5 15,23 3-33-15,9 0 2 0,9 5 9 16,0 0-70-1,9 0-1-15,50 0 15 0,19-3-7 16,14-14 29-16,-14-3-7 16,9-6 7-16,-10-1 10 15,-26 7-9-15,-10 2 10 16,-23 6-12-16,-18 10-17 16,0-1 27-16,0 3-25 15,0 0-4-15,0 0-20 16,0 0-6-16,0 0-6 15,0 5-2-15,0 13-88 16,-18 0-46-16,0-10-75 0,-14-2-193 16</inkml:trace>
+  <inkml:trace contextRef="#ctx0" brushRef="#br2" timeOffset="-148380.73">1336 4303 355 0,'0'0'214'0,"0"0"-142"16,0 0 35-16,0 0 2 0,0 0-28 15,0 0-5-15,0 0-23 16,87-82 2-16,-87 82 7 16,0-3-43-16,0 3 7 15,0 0-26-15,0 0 1 16,0 0-5-16,0 0-9 16,0 3 13-16,0 3-1 15,0-6 10-15,9 0-9 16,24 0 6-16,-6 0-3 15,14-11 15-15,-4-13-13 16,4 1 22-16,-14-3 22 16,-13 2-34-16,-5 1 23 0,-9 8-14 15,0-2-24 1,0 2 12-16,-23 4-12 0,-4 2-2 16,-23 6-4-16,8 3 0 15,6 0 6-15,-5 9 0 16,22 14-2-16,-13 0-7 15,23 1 9-15,9 0-14 16,0-5 5-16,0 5-31 16,41-7 22-16,1-4 5 15,-6-11-35-15,-4-2-23 16,-4 0-53-16,-28 0-66 16,0-17-134-16</inkml:trace>
 </inkml:ink>
 </file>
 
@@ -2195,7 +2195,7 @@
           <a:p>
             <a:fld id="{BC859255-6DFA-43EF-88B6-2E6996FDF2B1}" type="datetimeFigureOut">
               <a:rPr lang="en-IN" smtClean="0"/>
-              <a:t>18-04-2022</a:t>
+              <a:t>20-04-2022</a:t>
             </a:fld>
             <a:endParaRPr lang="en-IN"/>
           </a:p>
@@ -3182,7 +3182,7 @@
           <a:p>
             <a:fld id="{4C158068-7E1F-4B26-8461-C73B0177DC30}" type="datetimeFigureOut">
               <a:rPr lang="en-IN" smtClean="0"/>
-              <a:t>18-04-2022</a:t>
+              <a:t>20-04-2022</a:t>
             </a:fld>
             <a:endParaRPr lang="en-IN"/>
           </a:p>
@@ -3407,7 +3407,7 @@
           <a:p>
             <a:fld id="{4C158068-7E1F-4B26-8461-C73B0177DC30}" type="datetimeFigureOut">
               <a:rPr lang="en-IN" smtClean="0"/>
-              <a:t>18-04-2022</a:t>
+              <a:t>20-04-2022</a:t>
             </a:fld>
             <a:endParaRPr lang="en-IN"/>
           </a:p>
@@ -3581,7 +3581,7 @@
           <a:p>
             <a:fld id="{4C158068-7E1F-4B26-8461-C73B0177DC30}" type="datetimeFigureOut">
               <a:rPr lang="en-IN" smtClean="0"/>
-              <a:t>18-04-2022</a:t>
+              <a:t>20-04-2022</a:t>
             </a:fld>
             <a:endParaRPr lang="en-IN"/>
           </a:p>
@@ -3753,7 +3753,7 @@
           <a:p>
             <a:fld id="{4C158068-7E1F-4B26-8461-C73B0177DC30}" type="datetimeFigureOut">
               <a:rPr lang="en-IN" smtClean="0"/>
-              <a:t>18-04-2022</a:t>
+              <a:t>20-04-2022</a:t>
             </a:fld>
             <a:endParaRPr lang="en-IN"/>
           </a:p>
@@ -3998,7 +3998,7 @@
           <a:p>
             <a:fld id="{4C158068-7E1F-4B26-8461-C73B0177DC30}" type="datetimeFigureOut">
               <a:rPr lang="en-IN" smtClean="0"/>
-              <a:t>18-04-2022</a:t>
+              <a:t>20-04-2022</a:t>
             </a:fld>
             <a:endParaRPr lang="en-IN"/>
           </a:p>
@@ -4397,7 +4397,7 @@
           <a:p>
             <a:fld id="{4C158068-7E1F-4B26-8461-C73B0177DC30}" type="datetimeFigureOut">
               <a:rPr lang="en-IN" smtClean="0"/>
-              <a:t>18-04-2022</a:t>
+              <a:t>20-04-2022</a:t>
             </a:fld>
             <a:endParaRPr lang="en-IN"/>
           </a:p>
@@ -4833,7 +4833,7 @@
           <a:p>
             <a:fld id="{4C158068-7E1F-4B26-8461-C73B0177DC30}" type="datetimeFigureOut">
               <a:rPr lang="en-IN" smtClean="0"/>
-              <a:t>18-04-2022</a:t>
+              <a:t>20-04-2022</a:t>
             </a:fld>
             <a:endParaRPr lang="en-IN"/>
           </a:p>
@@ -4928,7 +4928,7 @@
           <a:p>
             <a:fld id="{4C158068-7E1F-4B26-8461-C73B0177DC30}" type="datetimeFigureOut">
               <a:rPr lang="en-IN" smtClean="0"/>
-              <a:t>18-04-2022</a:t>
+              <a:t>20-04-2022</a:t>
             </a:fld>
             <a:endParaRPr lang="en-IN"/>
           </a:p>
@@ -5040,7 +5040,7 @@
           <a:p>
             <a:fld id="{4C158068-7E1F-4B26-8461-C73B0177DC30}" type="datetimeFigureOut">
               <a:rPr lang="en-IN" smtClean="0"/>
-              <a:t>18-04-2022</a:t>
+              <a:t>20-04-2022</a:t>
             </a:fld>
             <a:endParaRPr lang="en-IN"/>
           </a:p>
@@ -5307,7 +5307,7 @@
           <a:p>
             <a:fld id="{4C158068-7E1F-4B26-8461-C73B0177DC30}" type="datetimeFigureOut">
               <a:rPr lang="en-IN" smtClean="0"/>
-              <a:t>18-04-2022</a:t>
+              <a:t>20-04-2022</a:t>
             </a:fld>
             <a:endParaRPr lang="en-IN"/>
           </a:p>
@@ -5508,7 +5508,7 @@
           <a:p>
             <a:fld id="{4C158068-7E1F-4B26-8461-C73B0177DC30}" type="datetimeFigureOut">
               <a:rPr lang="en-IN" smtClean="0"/>
-              <a:t>18-04-2022</a:t>
+              <a:t>20-04-2022</a:t>
             </a:fld>
             <a:endParaRPr lang="en-IN"/>
           </a:p>
@@ -6595,7 +6595,7 @@
             <a:fld id="{B61BEF0D-F0BB-DE4B-95CE-6DB70DBA9567}" type="datetimeFigureOut">
               <a:rPr lang="en-US" smtClean="0"/>
               <a:pPr/>
-              <a:t>4/18/2022</a:t>
+              <a:t>4/20/2022</a:t>
             </a:fld>
             <a:endParaRPr lang="en-US" dirty="0"/>
           </a:p>
@@ -7151,10 +7151,10 @@
                 <a:cs typeface="Montserrat"/>
                 <a:sym typeface="Montserrat"/>
               </a:rPr>
-              <a:t>Check if a String is </a:t>
+              <a:t>Check if a String </a:t>
             </a:r>
             <a:r>
-              <a:rPr lang="en-US" sz="4800" b="1" dirty="0" err="1">
+              <a:rPr lang="en-US" sz="4800" b="1">
                 <a:solidFill>
                   <a:srgbClr val="27823F"/>
                 </a:solidFill>
@@ -7163,7 +7163,7 @@
                 <a:cs typeface="Montserrat"/>
                 <a:sym typeface="Montserrat"/>
               </a:rPr>
-              <a:t>Palindorme</a:t>
+              <a:t>is Palindrome</a:t>
             </a:r>
             <a:endParaRPr lang="en-US" sz="4800" b="1" dirty="0">
               <a:solidFill>
@@ -7698,10 +7698,10 @@
                 <a:cs typeface="Arial" pitchFamily="34" charset="0"/>
                 <a:sym typeface="Montserrat"/>
               </a:rPr>
-              <a:t>Check if a String is </a:t>
+              <a:t>Check if a String </a:t>
             </a:r>
             <a:r>
-              <a:rPr lang="en-IN" sz="3200" dirty="0" err="1">
+              <a:rPr lang="en-IN" sz="3200">
                 <a:solidFill>
                   <a:schemeClr val="dk1"/>
                 </a:solidFill>
@@ -7710,7 +7710,7 @@
                 <a:cs typeface="Arial" pitchFamily="34" charset="0"/>
                 <a:sym typeface="Montserrat"/>
               </a:rPr>
-              <a:t>Palindorme</a:t>
+              <a:t>is Palindrome</a:t>
             </a:r>
             <a:endParaRPr lang="en-IN" sz="3200" dirty="0">
               <a:solidFill>
@@ -7922,8 +7922,8 @@
           </a:p>
         </p:txBody>
       </p:sp>
-      <mc:AlternateContent xmlns:mc="http://schemas.openxmlformats.org/markup-compatibility/2006">
-        <mc:Choice xmlns:p14="http://schemas.microsoft.com/office/powerpoint/2010/main" Requires="p14">
+      <mc:AlternateContent xmlns:mc="http://schemas.openxmlformats.org/markup-compatibility/2006" xmlns:p14="http://schemas.microsoft.com/office/powerpoint/2010/main">
+        <mc:Choice Requires="p14">
           <p:contentPart p14:bwMode="auto" r:id="rId2">
             <p14:nvContentPartPr>
               <p14:cNvPr id="52" name="Ink 51">
@@ -7942,7 +7942,7 @@
             </p14:xfrm>
           </p:contentPart>
         </mc:Choice>
-        <mc:Fallback>
+        <mc:Fallback xmlns="">
           <p:pic>
             <p:nvPicPr>
               <p:cNvPr id="52" name="Ink 51">
@@ -8050,8 +8050,8 @@
           </a:p>
         </p:txBody>
       </p:sp>
-      <mc:AlternateContent xmlns:mc="http://schemas.openxmlformats.org/markup-compatibility/2006">
-        <mc:Choice xmlns:p14="http://schemas.microsoft.com/office/powerpoint/2010/main" Requires="p14">
+      <mc:AlternateContent xmlns:mc="http://schemas.openxmlformats.org/markup-compatibility/2006" xmlns:p14="http://schemas.microsoft.com/office/powerpoint/2010/main">
+        <mc:Choice Requires="p14">
           <p:contentPart p14:bwMode="auto" r:id="rId2">
             <p14:nvContentPartPr>
               <p14:cNvPr id="91" name="Ink 90">
@@ -8070,7 +8070,7 @@
             </p14:xfrm>
           </p:contentPart>
         </mc:Choice>
-        <mc:Fallback>
+        <mc:Fallback xmlns="">
           <p:pic>
             <p:nvPicPr>
               <p:cNvPr id="91" name="Ink 90">
@@ -8101,8 +8101,8 @@
           </p:pic>
         </mc:Fallback>
       </mc:AlternateContent>
-      <mc:AlternateContent xmlns:mc="http://schemas.openxmlformats.org/markup-compatibility/2006">
-        <mc:Choice xmlns:p14="http://schemas.microsoft.com/office/powerpoint/2010/main" Requires="p14">
+      <mc:AlternateContent xmlns:mc="http://schemas.openxmlformats.org/markup-compatibility/2006" xmlns:p14="http://schemas.microsoft.com/office/powerpoint/2010/main">
+        <mc:Choice Requires="p14">
           <p:contentPart p14:bwMode="auto" r:id="rId4">
             <p14:nvContentPartPr>
               <p14:cNvPr id="119" name="Ink 118">
@@ -8121,7 +8121,7 @@
             </p14:xfrm>
           </p:contentPart>
         </mc:Choice>
-        <mc:Fallback>
+        <mc:Fallback xmlns="">
           <p:pic>
             <p:nvPicPr>
               <p:cNvPr id="119" name="Ink 118">
@@ -8152,8 +8152,8 @@
           </p:pic>
         </mc:Fallback>
       </mc:AlternateContent>
-      <mc:AlternateContent xmlns:mc="http://schemas.openxmlformats.org/markup-compatibility/2006">
-        <mc:Choice xmlns:p14="http://schemas.microsoft.com/office/powerpoint/2010/main" Requires="p14">
+      <mc:AlternateContent xmlns:mc="http://schemas.openxmlformats.org/markup-compatibility/2006" xmlns:p14="http://schemas.microsoft.com/office/powerpoint/2010/main">
+        <mc:Choice Requires="p14">
           <p:contentPart p14:bwMode="auto" r:id="rId6">
             <p14:nvContentPartPr>
               <p14:cNvPr id="124" name="Ink 123">
@@ -8172,7 +8172,7 @@
             </p14:xfrm>
           </p:contentPart>
         </mc:Choice>
-        <mc:Fallback>
+        <mc:Fallback xmlns="">
           <p:pic>
             <p:nvPicPr>
               <p:cNvPr id="124" name="Ink 123">
@@ -8203,8 +8203,8 @@
           </p:pic>
         </mc:Fallback>
       </mc:AlternateContent>
-      <mc:AlternateContent xmlns:mc="http://schemas.openxmlformats.org/markup-compatibility/2006">
-        <mc:Choice xmlns:p14="http://schemas.microsoft.com/office/powerpoint/2010/main" Requires="p14">
+      <mc:AlternateContent xmlns:mc="http://schemas.openxmlformats.org/markup-compatibility/2006" xmlns:p14="http://schemas.microsoft.com/office/powerpoint/2010/main">
+        <mc:Choice Requires="p14">
           <p:contentPart p14:bwMode="auto" r:id="rId8">
             <p14:nvContentPartPr>
               <p14:cNvPr id="136" name="Ink 135">
@@ -8223,7 +8223,7 @@
             </p14:xfrm>
           </p:contentPart>
         </mc:Choice>
-        <mc:Fallback>
+        <mc:Fallback xmlns="">
           <p:pic>
             <p:nvPicPr>
               <p:cNvPr id="136" name="Ink 135">
@@ -8254,8 +8254,8 @@
           </p:pic>
         </mc:Fallback>
       </mc:AlternateContent>
-      <mc:AlternateContent xmlns:mc="http://schemas.openxmlformats.org/markup-compatibility/2006">
-        <mc:Choice xmlns:p14="http://schemas.microsoft.com/office/powerpoint/2010/main" Requires="p14">
+      <mc:AlternateContent xmlns:mc="http://schemas.openxmlformats.org/markup-compatibility/2006" xmlns:p14="http://schemas.microsoft.com/office/powerpoint/2010/main">
+        <mc:Choice Requires="p14">
           <p:contentPart p14:bwMode="auto" r:id="rId10">
             <p14:nvContentPartPr>
               <p14:cNvPr id="140" name="Ink 139">
@@ -8274,7 +8274,7 @@
             </p14:xfrm>
           </p:contentPart>
         </mc:Choice>
-        <mc:Fallback>
+        <mc:Fallback xmlns="">
           <p:pic>
             <p:nvPicPr>
               <p:cNvPr id="140" name="Ink 139">
@@ -8305,8 +8305,8 @@
           </p:pic>
         </mc:Fallback>
       </mc:AlternateContent>
-      <mc:AlternateContent xmlns:mc="http://schemas.openxmlformats.org/markup-compatibility/2006">
-        <mc:Choice xmlns:p14="http://schemas.microsoft.com/office/powerpoint/2010/main" Requires="p14">
+      <mc:AlternateContent xmlns:mc="http://schemas.openxmlformats.org/markup-compatibility/2006" xmlns:p14="http://schemas.microsoft.com/office/powerpoint/2010/main">
+        <mc:Choice Requires="p14">
           <p:contentPart p14:bwMode="auto" r:id="rId12">
             <p14:nvContentPartPr>
               <p14:cNvPr id="141" name="Ink 140">
@@ -8325,7 +8325,7 @@
             </p14:xfrm>
           </p:contentPart>
         </mc:Choice>
-        <mc:Fallback>
+        <mc:Fallback xmlns="">
           <p:pic>
             <p:nvPicPr>
               <p:cNvPr id="141" name="Ink 140">
@@ -8356,8 +8356,8 @@
           </p:pic>
         </mc:Fallback>
       </mc:AlternateContent>
-      <mc:AlternateContent xmlns:mc="http://schemas.openxmlformats.org/markup-compatibility/2006">
-        <mc:Choice xmlns:p14="http://schemas.microsoft.com/office/powerpoint/2010/main" Requires="p14">
+      <mc:AlternateContent xmlns:mc="http://schemas.openxmlformats.org/markup-compatibility/2006" xmlns:p14="http://schemas.microsoft.com/office/powerpoint/2010/main">
+        <mc:Choice Requires="p14">
           <p:contentPart p14:bwMode="auto" r:id="rId14">
             <p14:nvContentPartPr>
               <p14:cNvPr id="142" name="Ink 141">
@@ -8376,7 +8376,7 @@
             </p14:xfrm>
           </p:contentPart>
         </mc:Choice>
-        <mc:Fallback>
+        <mc:Fallback xmlns="">
           <p:pic>
             <p:nvPicPr>
               <p:cNvPr id="142" name="Ink 141">
@@ -8484,8 +8484,8 @@
           </a:p>
         </p:txBody>
       </p:sp>
-      <mc:AlternateContent xmlns:mc="http://schemas.openxmlformats.org/markup-compatibility/2006">
-        <mc:Choice xmlns:p14="http://schemas.microsoft.com/office/powerpoint/2010/main" Requires="p14">
+      <mc:AlternateContent xmlns:mc="http://schemas.openxmlformats.org/markup-compatibility/2006" xmlns:p14="http://schemas.microsoft.com/office/powerpoint/2010/main">
+        <mc:Choice Requires="p14">
           <p:contentPart p14:bwMode="auto" r:id="rId2">
             <p14:nvContentPartPr>
               <p14:cNvPr id="7" name="Ink 6">
@@ -8504,7 +8504,7 @@
             </p14:xfrm>
           </p:contentPart>
         </mc:Choice>
-        <mc:Fallback>
+        <mc:Fallback xmlns="">
           <p:pic>
             <p:nvPicPr>
               <p:cNvPr id="7" name="Ink 6">
@@ -8535,8 +8535,8 @@
           </p:pic>
         </mc:Fallback>
       </mc:AlternateContent>
-      <mc:AlternateContent xmlns:mc="http://schemas.openxmlformats.org/markup-compatibility/2006">
-        <mc:Choice xmlns:p14="http://schemas.microsoft.com/office/powerpoint/2010/main" Requires="p14">
+      <mc:AlternateContent xmlns:mc="http://schemas.openxmlformats.org/markup-compatibility/2006" xmlns:p14="http://schemas.microsoft.com/office/powerpoint/2010/main">
+        <mc:Choice Requires="p14">
           <p:contentPart p14:bwMode="auto" r:id="rId4">
             <p14:nvContentPartPr>
               <p14:cNvPr id="8" name="Ink 7">
@@ -8555,7 +8555,7 @@
             </p14:xfrm>
           </p:contentPart>
         </mc:Choice>
-        <mc:Fallback>
+        <mc:Fallback xmlns="">
           <p:pic>
             <p:nvPicPr>
               <p:cNvPr id="8" name="Ink 7">
@@ -8586,8 +8586,8 @@
           </p:pic>
         </mc:Fallback>
       </mc:AlternateContent>
-      <mc:AlternateContent xmlns:mc="http://schemas.openxmlformats.org/markup-compatibility/2006">
-        <mc:Choice xmlns:p14="http://schemas.microsoft.com/office/powerpoint/2010/main" Requires="p14">
+      <mc:AlternateContent xmlns:mc="http://schemas.openxmlformats.org/markup-compatibility/2006" xmlns:p14="http://schemas.microsoft.com/office/powerpoint/2010/main">
+        <mc:Choice Requires="p14">
           <p:contentPart p14:bwMode="auto" r:id="rId6">
             <p14:nvContentPartPr>
               <p14:cNvPr id="9" name="Ink 8">
@@ -8606,7 +8606,7 @@
             </p14:xfrm>
           </p:contentPart>
         </mc:Choice>
-        <mc:Fallback>
+        <mc:Fallback xmlns="">
           <p:pic>
             <p:nvPicPr>
               <p:cNvPr id="9" name="Ink 8">
@@ -8637,8 +8637,8 @@
           </p:pic>
         </mc:Fallback>
       </mc:AlternateContent>
-      <mc:AlternateContent xmlns:mc="http://schemas.openxmlformats.org/markup-compatibility/2006">
-        <mc:Choice xmlns:p14="http://schemas.microsoft.com/office/powerpoint/2010/main" Requires="p14">
+      <mc:AlternateContent xmlns:mc="http://schemas.openxmlformats.org/markup-compatibility/2006" xmlns:p14="http://schemas.microsoft.com/office/powerpoint/2010/main">
+        <mc:Choice Requires="p14">
           <p:contentPart p14:bwMode="auto" r:id="rId8">
             <p14:nvContentPartPr>
               <p14:cNvPr id="10" name="Ink 9">
@@ -8657,7 +8657,7 @@
             </p14:xfrm>
           </p:contentPart>
         </mc:Choice>
-        <mc:Fallback>
+        <mc:Fallback xmlns="">
           <p:pic>
             <p:nvPicPr>
               <p:cNvPr id="10" name="Ink 9">
@@ -8688,8 +8688,8 @@
           </p:pic>
         </mc:Fallback>
       </mc:AlternateContent>
-      <mc:AlternateContent xmlns:mc="http://schemas.openxmlformats.org/markup-compatibility/2006">
-        <mc:Choice xmlns:p14="http://schemas.microsoft.com/office/powerpoint/2010/main" Requires="p14">
+      <mc:AlternateContent xmlns:mc="http://schemas.openxmlformats.org/markup-compatibility/2006" xmlns:p14="http://schemas.microsoft.com/office/powerpoint/2010/main">
+        <mc:Choice Requires="p14">
           <p:contentPart p14:bwMode="auto" r:id="rId10">
             <p14:nvContentPartPr>
               <p14:cNvPr id="11" name="Ink 10">
@@ -8708,7 +8708,7 @@
             </p14:xfrm>
           </p:contentPart>
         </mc:Choice>
-        <mc:Fallback>
+        <mc:Fallback xmlns="">
           <p:pic>
             <p:nvPicPr>
               <p:cNvPr id="11" name="Ink 10">
@@ -8739,8 +8739,8 @@
           </p:pic>
         </mc:Fallback>
       </mc:AlternateContent>
-      <mc:AlternateContent xmlns:mc="http://schemas.openxmlformats.org/markup-compatibility/2006">
-        <mc:Choice xmlns:p14="http://schemas.microsoft.com/office/powerpoint/2010/main" Requires="p14">
+      <mc:AlternateContent xmlns:mc="http://schemas.openxmlformats.org/markup-compatibility/2006" xmlns:p14="http://schemas.microsoft.com/office/powerpoint/2010/main">
+        <mc:Choice Requires="p14">
           <p:contentPart p14:bwMode="auto" r:id="rId12">
             <p14:nvContentPartPr>
               <p14:cNvPr id="15" name="Ink 14">
@@ -8759,7 +8759,7 @@
             </p14:xfrm>
           </p:contentPart>
         </mc:Choice>
-        <mc:Fallback>
+        <mc:Fallback xmlns="">
           <p:pic>
             <p:nvPicPr>
               <p:cNvPr id="15" name="Ink 14">
@@ -8790,8 +8790,8 @@
           </p:pic>
         </mc:Fallback>
       </mc:AlternateContent>
-      <mc:AlternateContent xmlns:mc="http://schemas.openxmlformats.org/markup-compatibility/2006">
-        <mc:Choice xmlns:p14="http://schemas.microsoft.com/office/powerpoint/2010/main" Requires="p14">
+      <mc:AlternateContent xmlns:mc="http://schemas.openxmlformats.org/markup-compatibility/2006" xmlns:p14="http://schemas.microsoft.com/office/powerpoint/2010/main">
+        <mc:Choice Requires="p14">
           <p:contentPart p14:bwMode="auto" r:id="rId14">
             <p14:nvContentPartPr>
               <p14:cNvPr id="19" name="Ink 18">
@@ -8810,7 +8810,7 @@
             </p14:xfrm>
           </p:contentPart>
         </mc:Choice>
-        <mc:Fallback>
+        <mc:Fallback xmlns="">
           <p:pic>
             <p:nvPicPr>
               <p:cNvPr id="19" name="Ink 18">
@@ -8841,8 +8841,8 @@
           </p:pic>
         </mc:Fallback>
       </mc:AlternateContent>
-      <mc:AlternateContent xmlns:mc="http://schemas.openxmlformats.org/markup-compatibility/2006">
-        <mc:Choice xmlns:p14="http://schemas.microsoft.com/office/powerpoint/2010/main" Requires="p14">
+      <mc:AlternateContent xmlns:mc="http://schemas.openxmlformats.org/markup-compatibility/2006" xmlns:p14="http://schemas.microsoft.com/office/powerpoint/2010/main">
+        <mc:Choice Requires="p14">
           <p:contentPart p14:bwMode="auto" r:id="rId16">
             <p14:nvContentPartPr>
               <p14:cNvPr id="30" name="Ink 29">
@@ -8861,7 +8861,7 @@
             </p14:xfrm>
           </p:contentPart>
         </mc:Choice>
-        <mc:Fallback>
+        <mc:Fallback xmlns="">
           <p:pic>
             <p:nvPicPr>
               <p:cNvPr id="30" name="Ink 29">
@@ -8892,8 +8892,8 @@
           </p:pic>
         </mc:Fallback>
       </mc:AlternateContent>
-      <mc:AlternateContent xmlns:mc="http://schemas.openxmlformats.org/markup-compatibility/2006">
-        <mc:Choice xmlns:p14="http://schemas.microsoft.com/office/powerpoint/2010/main" Requires="p14">
+      <mc:AlternateContent xmlns:mc="http://schemas.openxmlformats.org/markup-compatibility/2006" xmlns:p14="http://schemas.microsoft.com/office/powerpoint/2010/main">
+        <mc:Choice Requires="p14">
           <p:contentPart p14:bwMode="auto" r:id="rId18">
             <p14:nvContentPartPr>
               <p14:cNvPr id="31" name="Ink 30">
@@ -8912,7 +8912,7 @@
             </p14:xfrm>
           </p:contentPart>
         </mc:Choice>
-        <mc:Fallback>
+        <mc:Fallback xmlns="">
           <p:pic>
             <p:nvPicPr>
               <p:cNvPr id="31" name="Ink 30">
@@ -8943,8 +8943,8 @@
           </p:pic>
         </mc:Fallback>
       </mc:AlternateContent>
-      <mc:AlternateContent xmlns:mc="http://schemas.openxmlformats.org/markup-compatibility/2006">
-        <mc:Choice xmlns:p14="http://schemas.microsoft.com/office/powerpoint/2010/main" Requires="p14">
+      <mc:AlternateContent xmlns:mc="http://schemas.openxmlformats.org/markup-compatibility/2006" xmlns:p14="http://schemas.microsoft.com/office/powerpoint/2010/main">
+        <mc:Choice Requires="p14">
           <p:contentPart p14:bwMode="auto" r:id="rId20">
             <p14:nvContentPartPr>
               <p14:cNvPr id="32" name="Ink 31">
@@ -8963,7 +8963,7 @@
             </p14:xfrm>
           </p:contentPart>
         </mc:Choice>
-        <mc:Fallback>
+        <mc:Fallback xmlns="">
           <p:pic>
             <p:nvPicPr>
               <p:cNvPr id="32" name="Ink 31">
@@ -8994,8 +8994,8 @@
           </p:pic>
         </mc:Fallback>
       </mc:AlternateContent>
-      <mc:AlternateContent xmlns:mc="http://schemas.openxmlformats.org/markup-compatibility/2006">
-        <mc:Choice xmlns:p14="http://schemas.microsoft.com/office/powerpoint/2010/main" Requires="p14">
+      <mc:AlternateContent xmlns:mc="http://schemas.openxmlformats.org/markup-compatibility/2006" xmlns:p14="http://schemas.microsoft.com/office/powerpoint/2010/main">
+        <mc:Choice Requires="p14">
           <p:contentPart p14:bwMode="auto" r:id="rId22">
             <p14:nvContentPartPr>
               <p14:cNvPr id="38" name="Ink 37">
@@ -9014,7 +9014,7 @@
             </p14:xfrm>
           </p:contentPart>
         </mc:Choice>
-        <mc:Fallback>
+        <mc:Fallback xmlns="">
           <p:pic>
             <p:nvPicPr>
               <p:cNvPr id="38" name="Ink 37">
@@ -9045,8 +9045,8 @@
           </p:pic>
         </mc:Fallback>
       </mc:AlternateContent>
-      <mc:AlternateContent xmlns:mc="http://schemas.openxmlformats.org/markup-compatibility/2006">
-        <mc:Choice xmlns:p14="http://schemas.microsoft.com/office/powerpoint/2010/main" Requires="p14">
+      <mc:AlternateContent xmlns:mc="http://schemas.openxmlformats.org/markup-compatibility/2006" xmlns:p14="http://schemas.microsoft.com/office/powerpoint/2010/main">
+        <mc:Choice Requires="p14">
           <p:contentPart p14:bwMode="auto" r:id="rId24">
             <p14:nvContentPartPr>
               <p14:cNvPr id="41" name="Ink 40">
@@ -9065,7 +9065,7 @@
             </p14:xfrm>
           </p:contentPart>
         </mc:Choice>
-        <mc:Fallback>
+        <mc:Fallback xmlns="">
           <p:pic>
             <p:nvPicPr>
               <p:cNvPr id="41" name="Ink 40">
@@ -9096,8 +9096,8 @@
           </p:pic>
         </mc:Fallback>
       </mc:AlternateContent>
-      <mc:AlternateContent xmlns:mc="http://schemas.openxmlformats.org/markup-compatibility/2006">
-        <mc:Choice xmlns:p14="http://schemas.microsoft.com/office/powerpoint/2010/main" Requires="p14">
+      <mc:AlternateContent xmlns:mc="http://schemas.openxmlformats.org/markup-compatibility/2006" xmlns:p14="http://schemas.microsoft.com/office/powerpoint/2010/main">
+        <mc:Choice Requires="p14">
           <p:contentPart p14:bwMode="auto" r:id="rId26">
             <p14:nvContentPartPr>
               <p14:cNvPr id="42" name="Ink 41">
@@ -9116,7 +9116,7 @@
             </p14:xfrm>
           </p:contentPart>
         </mc:Choice>
-        <mc:Fallback>
+        <mc:Fallback xmlns="">
           <p:pic>
             <p:nvPicPr>
               <p:cNvPr id="42" name="Ink 41">
@@ -9147,8 +9147,8 @@
           </p:pic>
         </mc:Fallback>
       </mc:AlternateContent>
-      <mc:AlternateContent xmlns:mc="http://schemas.openxmlformats.org/markup-compatibility/2006">
-        <mc:Choice xmlns:p14="http://schemas.microsoft.com/office/powerpoint/2010/main" Requires="p14">
+      <mc:AlternateContent xmlns:mc="http://schemas.openxmlformats.org/markup-compatibility/2006" xmlns:p14="http://schemas.microsoft.com/office/powerpoint/2010/main">
+        <mc:Choice Requires="p14">
           <p:contentPart p14:bwMode="auto" r:id="rId28">
             <p14:nvContentPartPr>
               <p14:cNvPr id="59" name="Ink 58">
@@ -9167,7 +9167,7 @@
             </p14:xfrm>
           </p:contentPart>
         </mc:Choice>
-        <mc:Fallback>
+        <mc:Fallback xmlns="">
           <p:pic>
             <p:nvPicPr>
               <p:cNvPr id="59" name="Ink 58">
@@ -9198,8 +9198,8 @@
           </p:pic>
         </mc:Fallback>
       </mc:AlternateContent>
-      <mc:AlternateContent xmlns:mc="http://schemas.openxmlformats.org/markup-compatibility/2006">
-        <mc:Choice xmlns:p14="http://schemas.microsoft.com/office/powerpoint/2010/main" Requires="p14">
+      <mc:AlternateContent xmlns:mc="http://schemas.openxmlformats.org/markup-compatibility/2006" xmlns:p14="http://schemas.microsoft.com/office/powerpoint/2010/main">
+        <mc:Choice Requires="p14">
           <p:contentPart p14:bwMode="auto" r:id="rId30">
             <p14:nvContentPartPr>
               <p14:cNvPr id="60" name="Ink 59">
@@ -9218,7 +9218,7 @@
             </p14:xfrm>
           </p:contentPart>
         </mc:Choice>
-        <mc:Fallback>
+        <mc:Fallback xmlns="">
           <p:pic>
             <p:nvPicPr>
               <p:cNvPr id="60" name="Ink 59">
@@ -9249,8 +9249,8 @@
           </p:pic>
         </mc:Fallback>
       </mc:AlternateContent>
-      <mc:AlternateContent xmlns:mc="http://schemas.openxmlformats.org/markup-compatibility/2006">
-        <mc:Choice xmlns:p14="http://schemas.microsoft.com/office/powerpoint/2010/main" Requires="p14">
+      <mc:AlternateContent xmlns:mc="http://schemas.openxmlformats.org/markup-compatibility/2006" xmlns:p14="http://schemas.microsoft.com/office/powerpoint/2010/main">
+        <mc:Choice Requires="p14">
           <p:contentPart p14:bwMode="auto" r:id="rId32">
             <p14:nvContentPartPr>
               <p14:cNvPr id="61" name="Ink 60">
@@ -9269,7 +9269,7 @@
             </p14:xfrm>
           </p:contentPart>
         </mc:Choice>
-        <mc:Fallback>
+        <mc:Fallback xmlns="">
           <p:pic>
             <p:nvPicPr>
               <p:cNvPr id="61" name="Ink 60">
@@ -9300,8 +9300,8 @@
           </p:pic>
         </mc:Fallback>
       </mc:AlternateContent>
-      <mc:AlternateContent xmlns:mc="http://schemas.openxmlformats.org/markup-compatibility/2006">
-        <mc:Choice xmlns:p14="http://schemas.microsoft.com/office/powerpoint/2010/main" Requires="p14">
+      <mc:AlternateContent xmlns:mc="http://schemas.openxmlformats.org/markup-compatibility/2006" xmlns:p14="http://schemas.microsoft.com/office/powerpoint/2010/main">
+        <mc:Choice Requires="p14">
           <p:contentPart p14:bwMode="auto" r:id="rId34">
             <p14:nvContentPartPr>
               <p14:cNvPr id="65" name="Ink 64">
@@ -9320,7 +9320,7 @@
             </p14:xfrm>
           </p:contentPart>
         </mc:Choice>
-        <mc:Fallback>
+        <mc:Fallback xmlns="">
           <p:pic>
             <p:nvPicPr>
               <p:cNvPr id="65" name="Ink 64">
@@ -9351,8 +9351,8 @@
           </p:pic>
         </mc:Fallback>
       </mc:AlternateContent>
-      <mc:AlternateContent xmlns:mc="http://schemas.openxmlformats.org/markup-compatibility/2006">
-        <mc:Choice xmlns:p14="http://schemas.microsoft.com/office/powerpoint/2010/main" Requires="p14">
+      <mc:AlternateContent xmlns:mc="http://schemas.openxmlformats.org/markup-compatibility/2006" xmlns:p14="http://schemas.microsoft.com/office/powerpoint/2010/main">
+        <mc:Choice Requires="p14">
           <p:contentPart p14:bwMode="auto" r:id="rId36">
             <p14:nvContentPartPr>
               <p14:cNvPr id="75" name="Ink 74">
@@ -9371,7 +9371,7 @@
             </p14:xfrm>
           </p:contentPart>
         </mc:Choice>
-        <mc:Fallback>
+        <mc:Fallback xmlns="">
           <p:pic>
             <p:nvPicPr>
               <p:cNvPr id="75" name="Ink 74">
@@ -9402,8 +9402,8 @@
           </p:pic>
         </mc:Fallback>
       </mc:AlternateContent>
-      <mc:AlternateContent xmlns:mc="http://schemas.openxmlformats.org/markup-compatibility/2006">
-        <mc:Choice xmlns:p14="http://schemas.microsoft.com/office/powerpoint/2010/main" Requires="p14">
+      <mc:AlternateContent xmlns:mc="http://schemas.openxmlformats.org/markup-compatibility/2006" xmlns:p14="http://schemas.microsoft.com/office/powerpoint/2010/main">
+        <mc:Choice Requires="p14">
           <p:contentPart p14:bwMode="auto" r:id="rId38">
             <p14:nvContentPartPr>
               <p14:cNvPr id="76" name="Ink 75">
@@ -9422,7 +9422,7 @@
             </p14:xfrm>
           </p:contentPart>
         </mc:Choice>
-        <mc:Fallback>
+        <mc:Fallback xmlns="">
           <p:pic>
             <p:nvPicPr>
               <p:cNvPr id="76" name="Ink 75">
@@ -9453,8 +9453,8 @@
           </p:pic>
         </mc:Fallback>
       </mc:AlternateContent>
-      <mc:AlternateContent xmlns:mc="http://schemas.openxmlformats.org/markup-compatibility/2006">
-        <mc:Choice xmlns:p14="http://schemas.microsoft.com/office/powerpoint/2010/main" Requires="p14">
+      <mc:AlternateContent xmlns:mc="http://schemas.openxmlformats.org/markup-compatibility/2006" xmlns:p14="http://schemas.microsoft.com/office/powerpoint/2010/main">
+        <mc:Choice Requires="p14">
           <p:contentPart p14:bwMode="auto" r:id="rId40">
             <p14:nvContentPartPr>
               <p14:cNvPr id="79" name="Ink 78">
@@ -9473,7 +9473,7 @@
             </p14:xfrm>
           </p:contentPart>
         </mc:Choice>
-        <mc:Fallback>
+        <mc:Fallback xmlns="">
           <p:pic>
             <p:nvPicPr>
               <p:cNvPr id="79" name="Ink 78">
@@ -9504,8 +9504,8 @@
           </p:pic>
         </mc:Fallback>
       </mc:AlternateContent>
-      <mc:AlternateContent xmlns:mc="http://schemas.openxmlformats.org/markup-compatibility/2006">
-        <mc:Choice xmlns:p14="http://schemas.microsoft.com/office/powerpoint/2010/main" Requires="p14">
+      <mc:AlternateContent xmlns:mc="http://schemas.openxmlformats.org/markup-compatibility/2006" xmlns:p14="http://schemas.microsoft.com/office/powerpoint/2010/main">
+        <mc:Choice Requires="p14">
           <p:contentPart p14:bwMode="auto" r:id="rId42">
             <p14:nvContentPartPr>
               <p14:cNvPr id="80" name="Ink 79">
@@ -9524,7 +9524,7 @@
             </p14:xfrm>
           </p:contentPart>
         </mc:Choice>
-        <mc:Fallback>
+        <mc:Fallback xmlns="">
           <p:pic>
             <p:nvPicPr>
               <p:cNvPr id="80" name="Ink 79">
@@ -9555,8 +9555,8 @@
           </p:pic>
         </mc:Fallback>
       </mc:AlternateContent>
-      <mc:AlternateContent xmlns:mc="http://schemas.openxmlformats.org/markup-compatibility/2006">
-        <mc:Choice xmlns:p14="http://schemas.microsoft.com/office/powerpoint/2010/main" Requires="p14">
+      <mc:AlternateContent xmlns:mc="http://schemas.openxmlformats.org/markup-compatibility/2006" xmlns:p14="http://schemas.microsoft.com/office/powerpoint/2010/main">
+        <mc:Choice Requires="p14">
           <p:contentPart p14:bwMode="auto" r:id="rId44">
             <p14:nvContentPartPr>
               <p14:cNvPr id="81" name="Ink 80">
@@ -9575,7 +9575,7 @@
             </p14:xfrm>
           </p:contentPart>
         </mc:Choice>
-        <mc:Fallback>
+        <mc:Fallback xmlns="">
           <p:pic>
             <p:nvPicPr>
               <p:cNvPr id="81" name="Ink 80">
@@ -9606,8 +9606,8 @@
           </p:pic>
         </mc:Fallback>
       </mc:AlternateContent>
-      <mc:AlternateContent xmlns:mc="http://schemas.openxmlformats.org/markup-compatibility/2006">
-        <mc:Choice xmlns:p14="http://schemas.microsoft.com/office/powerpoint/2010/main" Requires="p14">
+      <mc:AlternateContent xmlns:mc="http://schemas.openxmlformats.org/markup-compatibility/2006" xmlns:p14="http://schemas.microsoft.com/office/powerpoint/2010/main">
+        <mc:Choice Requires="p14">
           <p:contentPart p14:bwMode="auto" r:id="rId46">
             <p14:nvContentPartPr>
               <p14:cNvPr id="82" name="Ink 81">
@@ -9626,7 +9626,7 @@
             </p14:xfrm>
           </p:contentPart>
         </mc:Choice>
-        <mc:Fallback>
+        <mc:Fallback xmlns="">
           <p:pic>
             <p:nvPicPr>
               <p:cNvPr id="82" name="Ink 81">
@@ -9657,8 +9657,8 @@
           </p:pic>
         </mc:Fallback>
       </mc:AlternateContent>
-      <mc:AlternateContent xmlns:mc="http://schemas.openxmlformats.org/markup-compatibility/2006">
-        <mc:Choice xmlns:p14="http://schemas.microsoft.com/office/powerpoint/2010/main" Requires="p14">
+      <mc:AlternateContent xmlns:mc="http://schemas.openxmlformats.org/markup-compatibility/2006" xmlns:p14="http://schemas.microsoft.com/office/powerpoint/2010/main">
+        <mc:Choice Requires="p14">
           <p:contentPart p14:bwMode="auto" r:id="rId48">
             <p14:nvContentPartPr>
               <p14:cNvPr id="84" name="Ink 83">
@@ -9677,7 +9677,7 @@
             </p14:xfrm>
           </p:contentPart>
         </mc:Choice>
-        <mc:Fallback>
+        <mc:Fallback xmlns="">
           <p:pic>
             <p:nvPicPr>
               <p:cNvPr id="84" name="Ink 83">
@@ -9708,8 +9708,8 @@
           </p:pic>
         </mc:Fallback>
       </mc:AlternateContent>
-      <mc:AlternateContent xmlns:mc="http://schemas.openxmlformats.org/markup-compatibility/2006">
-        <mc:Choice xmlns:p14="http://schemas.microsoft.com/office/powerpoint/2010/main" Requires="p14">
+      <mc:AlternateContent xmlns:mc="http://schemas.openxmlformats.org/markup-compatibility/2006" xmlns:p14="http://schemas.microsoft.com/office/powerpoint/2010/main">
+        <mc:Choice Requires="p14">
           <p:contentPart p14:bwMode="auto" r:id="rId50">
             <p14:nvContentPartPr>
               <p14:cNvPr id="85" name="Ink 84">
@@ -9728,7 +9728,7 @@
             </p14:xfrm>
           </p:contentPart>
         </mc:Choice>
-        <mc:Fallback>
+        <mc:Fallback xmlns="">
           <p:pic>
             <p:nvPicPr>
               <p:cNvPr id="85" name="Ink 84">
@@ -9759,8 +9759,8 @@
           </p:pic>
         </mc:Fallback>
       </mc:AlternateContent>
-      <mc:AlternateContent xmlns:mc="http://schemas.openxmlformats.org/markup-compatibility/2006">
-        <mc:Choice xmlns:p14="http://schemas.microsoft.com/office/powerpoint/2010/main" Requires="p14">
+      <mc:AlternateContent xmlns:mc="http://schemas.openxmlformats.org/markup-compatibility/2006" xmlns:p14="http://schemas.microsoft.com/office/powerpoint/2010/main">
+        <mc:Choice Requires="p14">
           <p:contentPart p14:bwMode="auto" r:id="rId52">
             <p14:nvContentPartPr>
               <p14:cNvPr id="86" name="Ink 85">
@@ -9779,7 +9779,7 @@
             </p14:xfrm>
           </p:contentPart>
         </mc:Choice>
-        <mc:Fallback>
+        <mc:Fallback xmlns="">
           <p:pic>
             <p:nvPicPr>
               <p:cNvPr id="86" name="Ink 85">
@@ -9887,8 +9887,8 @@
           </a:p>
         </p:txBody>
       </p:sp>
-      <mc:AlternateContent xmlns:mc="http://schemas.openxmlformats.org/markup-compatibility/2006">
-        <mc:Choice xmlns:p14="http://schemas.microsoft.com/office/powerpoint/2010/main" Requires="p14">
+      <mc:AlternateContent xmlns:mc="http://schemas.openxmlformats.org/markup-compatibility/2006" xmlns:p14="http://schemas.microsoft.com/office/powerpoint/2010/main">
+        <mc:Choice Requires="p14">
           <p:contentPart p14:bwMode="auto" r:id="rId2">
             <p14:nvContentPartPr>
               <p14:cNvPr id="91" name="Ink 90">
@@ -9907,7 +9907,7 @@
             </p14:xfrm>
           </p:contentPart>
         </mc:Choice>
-        <mc:Fallback>
+        <mc:Fallback xmlns="">
           <p:pic>
             <p:nvPicPr>
               <p:cNvPr id="91" name="Ink 90">
@@ -9938,8 +9938,8 @@
           </p:pic>
         </mc:Fallback>
       </mc:AlternateContent>
-      <mc:AlternateContent xmlns:mc="http://schemas.openxmlformats.org/markup-compatibility/2006">
-        <mc:Choice xmlns:p14="http://schemas.microsoft.com/office/powerpoint/2010/main" Requires="p14">
+      <mc:AlternateContent xmlns:mc="http://schemas.openxmlformats.org/markup-compatibility/2006" xmlns:p14="http://schemas.microsoft.com/office/powerpoint/2010/main">
+        <mc:Choice Requires="p14">
           <p:contentPart p14:bwMode="auto" r:id="rId4">
             <p14:nvContentPartPr>
               <p14:cNvPr id="119" name="Ink 118">
@@ -9958,7 +9958,7 @@
             </p14:xfrm>
           </p:contentPart>
         </mc:Choice>
-        <mc:Fallback>
+        <mc:Fallback xmlns="">
           <p:pic>
             <p:nvPicPr>
               <p:cNvPr id="119" name="Ink 118">
@@ -9989,8 +9989,8 @@
           </p:pic>
         </mc:Fallback>
       </mc:AlternateContent>
-      <mc:AlternateContent xmlns:mc="http://schemas.openxmlformats.org/markup-compatibility/2006">
-        <mc:Choice xmlns:p14="http://schemas.microsoft.com/office/powerpoint/2010/main" Requires="p14">
+      <mc:AlternateContent xmlns:mc="http://schemas.openxmlformats.org/markup-compatibility/2006" xmlns:p14="http://schemas.microsoft.com/office/powerpoint/2010/main">
+        <mc:Choice Requires="p14">
           <p:contentPart p14:bwMode="auto" r:id="rId6">
             <p14:nvContentPartPr>
               <p14:cNvPr id="124" name="Ink 123">
@@ -10009,7 +10009,7 @@
             </p14:xfrm>
           </p:contentPart>
         </mc:Choice>
-        <mc:Fallback>
+        <mc:Fallback xmlns="">
           <p:pic>
             <p:nvPicPr>
               <p:cNvPr id="124" name="Ink 123">
@@ -10040,8 +10040,8 @@
           </p:pic>
         </mc:Fallback>
       </mc:AlternateContent>
-      <mc:AlternateContent xmlns:mc="http://schemas.openxmlformats.org/markup-compatibility/2006">
-        <mc:Choice xmlns:p14="http://schemas.microsoft.com/office/powerpoint/2010/main" Requires="p14">
+      <mc:AlternateContent xmlns:mc="http://schemas.openxmlformats.org/markup-compatibility/2006" xmlns:p14="http://schemas.microsoft.com/office/powerpoint/2010/main">
+        <mc:Choice Requires="p14">
           <p:contentPart p14:bwMode="auto" r:id="rId8">
             <p14:nvContentPartPr>
               <p14:cNvPr id="136" name="Ink 135">
@@ -10060,7 +10060,7 @@
             </p14:xfrm>
           </p:contentPart>
         </mc:Choice>
-        <mc:Fallback>
+        <mc:Fallback xmlns="">
           <p:pic>
             <p:nvPicPr>
               <p:cNvPr id="136" name="Ink 135">
@@ -10091,8 +10091,8 @@
           </p:pic>
         </mc:Fallback>
       </mc:AlternateContent>
-      <mc:AlternateContent xmlns:mc="http://schemas.openxmlformats.org/markup-compatibility/2006">
-        <mc:Choice xmlns:p14="http://schemas.microsoft.com/office/powerpoint/2010/main" Requires="p14">
+      <mc:AlternateContent xmlns:mc="http://schemas.openxmlformats.org/markup-compatibility/2006" xmlns:p14="http://schemas.microsoft.com/office/powerpoint/2010/main">
+        <mc:Choice Requires="p14">
           <p:contentPart p14:bwMode="auto" r:id="rId10">
             <p14:nvContentPartPr>
               <p14:cNvPr id="140" name="Ink 139">
@@ -10111,7 +10111,7 @@
             </p14:xfrm>
           </p:contentPart>
         </mc:Choice>
-        <mc:Fallback>
+        <mc:Fallback xmlns="">
           <p:pic>
             <p:nvPicPr>
               <p:cNvPr id="140" name="Ink 139">
@@ -10142,8 +10142,8 @@
           </p:pic>
         </mc:Fallback>
       </mc:AlternateContent>
-      <mc:AlternateContent xmlns:mc="http://schemas.openxmlformats.org/markup-compatibility/2006">
-        <mc:Choice xmlns:p14="http://schemas.microsoft.com/office/powerpoint/2010/main" Requires="p14">
+      <mc:AlternateContent xmlns:mc="http://schemas.openxmlformats.org/markup-compatibility/2006" xmlns:p14="http://schemas.microsoft.com/office/powerpoint/2010/main">
+        <mc:Choice Requires="p14">
           <p:contentPart p14:bwMode="auto" r:id="rId12">
             <p14:nvContentPartPr>
               <p14:cNvPr id="141" name="Ink 140">
@@ -10162,7 +10162,7 @@
             </p14:xfrm>
           </p:contentPart>
         </mc:Choice>
-        <mc:Fallback>
+        <mc:Fallback xmlns="">
           <p:pic>
             <p:nvPicPr>
               <p:cNvPr id="141" name="Ink 140">
@@ -10193,8 +10193,8 @@
           </p:pic>
         </mc:Fallback>
       </mc:AlternateContent>
-      <mc:AlternateContent xmlns:mc="http://schemas.openxmlformats.org/markup-compatibility/2006">
-        <mc:Choice xmlns:p14="http://schemas.microsoft.com/office/powerpoint/2010/main" Requires="p14">
+      <mc:AlternateContent xmlns:mc="http://schemas.openxmlformats.org/markup-compatibility/2006" xmlns:p14="http://schemas.microsoft.com/office/powerpoint/2010/main">
+        <mc:Choice Requires="p14">
           <p:contentPart p14:bwMode="auto" r:id="rId14">
             <p14:nvContentPartPr>
               <p14:cNvPr id="142" name="Ink 141">
@@ -10213,7 +10213,7 @@
             </p14:xfrm>
           </p:contentPart>
         </mc:Choice>
-        <mc:Fallback>
+        <mc:Fallback xmlns="">
           <p:pic>
             <p:nvPicPr>
               <p:cNvPr id="142" name="Ink 141">
@@ -10244,8 +10244,8 @@
           </p:pic>
         </mc:Fallback>
       </mc:AlternateContent>
-      <mc:AlternateContent xmlns:mc="http://schemas.openxmlformats.org/markup-compatibility/2006">
-        <mc:Choice xmlns:p14="http://schemas.microsoft.com/office/powerpoint/2010/main" Requires="p14">
+      <mc:AlternateContent xmlns:mc="http://schemas.openxmlformats.org/markup-compatibility/2006" xmlns:p14="http://schemas.microsoft.com/office/powerpoint/2010/main">
+        <mc:Choice Requires="p14">
           <p:contentPart p14:bwMode="auto" r:id="rId16">
             <p14:nvContentPartPr>
               <p14:cNvPr id="7" name="Ink 6">
@@ -10264,7 +10264,7 @@
             </p14:xfrm>
           </p:contentPart>
         </mc:Choice>
-        <mc:Fallback>
+        <mc:Fallback xmlns="">
           <p:pic>
             <p:nvPicPr>
               <p:cNvPr id="7" name="Ink 6">
@@ -10295,8 +10295,8 @@
           </p:pic>
         </mc:Fallback>
       </mc:AlternateContent>
-      <mc:AlternateContent xmlns:mc="http://schemas.openxmlformats.org/markup-compatibility/2006">
-        <mc:Choice xmlns:p14="http://schemas.microsoft.com/office/powerpoint/2010/main" Requires="p14">
+      <mc:AlternateContent xmlns:mc="http://schemas.openxmlformats.org/markup-compatibility/2006" xmlns:p14="http://schemas.microsoft.com/office/powerpoint/2010/main">
+        <mc:Choice Requires="p14">
           <p:contentPart p14:bwMode="auto" r:id="rId18">
             <p14:nvContentPartPr>
               <p14:cNvPr id="38" name="Ink 37">
@@ -10315,7 +10315,7 @@
             </p14:xfrm>
           </p:contentPart>
         </mc:Choice>
-        <mc:Fallback>
+        <mc:Fallback xmlns="">
           <p:pic>
             <p:nvPicPr>
               <p:cNvPr id="38" name="Ink 37">
@@ -10423,8 +10423,8 @@
           </a:p>
         </p:txBody>
       </p:sp>
-      <mc:AlternateContent xmlns:mc="http://schemas.openxmlformats.org/markup-compatibility/2006">
-        <mc:Choice xmlns:p14="http://schemas.microsoft.com/office/powerpoint/2010/main" Requires="p14">
+      <mc:AlternateContent xmlns:mc="http://schemas.openxmlformats.org/markup-compatibility/2006" xmlns:p14="http://schemas.microsoft.com/office/powerpoint/2010/main">
+        <mc:Choice Requires="p14">
           <p:contentPart p14:bwMode="auto" r:id="rId2">
             <p14:nvContentPartPr>
               <p14:cNvPr id="148" name="Ink 147">
@@ -10443,7 +10443,7 @@
             </p14:xfrm>
           </p:contentPart>
         </mc:Choice>
-        <mc:Fallback>
+        <mc:Fallback xmlns="">
           <p:pic>
             <p:nvPicPr>
               <p:cNvPr id="148" name="Ink 147">
@@ -10474,8 +10474,8 @@
           </p:pic>
         </mc:Fallback>
       </mc:AlternateContent>
-      <mc:AlternateContent xmlns:mc="http://schemas.openxmlformats.org/markup-compatibility/2006">
-        <mc:Choice xmlns:p14="http://schemas.microsoft.com/office/powerpoint/2010/main" Requires="p14">
+      <mc:AlternateContent xmlns:mc="http://schemas.openxmlformats.org/markup-compatibility/2006" xmlns:p14="http://schemas.microsoft.com/office/powerpoint/2010/main">
+        <mc:Choice Requires="p14">
           <p:contentPart p14:bwMode="auto" r:id="rId4">
             <p14:nvContentPartPr>
               <p14:cNvPr id="237" name="Ink 236">
@@ -10494,7 +10494,7 @@
             </p14:xfrm>
           </p:contentPart>
         </mc:Choice>
-        <mc:Fallback>
+        <mc:Fallback xmlns="">
           <p:pic>
             <p:nvPicPr>
               <p:cNvPr id="237" name="Ink 236">
